--- a/doc/数学基础知识介绍_矩阵.pptx
+++ b/doc/数学基础知识介绍_矩阵.pptx
@@ -577,6 +577,174 @@
 </file>
 
 <file path=ppt/notesSlides/notesSlide2.xml><?xml version="1.0" encoding="utf-8"?>
+<p:notes xmlns:a="http://schemas.openxmlformats.org/drawingml/2006/main" xmlns:r="http://schemas.openxmlformats.org/officeDocument/2006/relationships" xmlns:p="http://schemas.openxmlformats.org/presentationml/2006/main">
+  <p:cSld>
+    <p:spTree>
+      <p:nvGrpSpPr>
+        <p:cNvPr id="1" name=""/>
+        <p:cNvGrpSpPr/>
+        <p:nvPr/>
+      </p:nvGrpSpPr>
+      <p:grpSpPr>
+        <a:xfrm>
+          <a:off x="0" y="0"/>
+          <a:ext cx="0" cy="0"/>
+          <a:chOff x="0" y="0"/>
+          <a:chExt cx="0" cy="0"/>
+        </a:xfrm>
+      </p:grpSpPr>
+      <p:sp>
+        <p:nvSpPr>
+          <p:cNvPr id="2" name="幻灯片图像占位符 1"/>
+          <p:cNvSpPr>
+            <a:spLocks noGrp="1" noRot="1" noChangeAspect="1"/>
+          </p:cNvSpPr>
+          <p:nvPr>
+            <p:ph type="sldImg"/>
+          </p:nvPr>
+        </p:nvSpPr>
+        <p:spPr>
+          <a:xfrm>
+            <a:off x="382588" y="685800"/>
+            <a:ext cx="6092825" cy="3429000"/>
+          </a:xfrm>
+        </p:spPr>
+      </p:sp>
+      <p:sp>
+        <p:nvSpPr>
+          <p:cNvPr id="3" name="备注占位符 2"/>
+          <p:cNvSpPr>
+            <a:spLocks noGrp="1"/>
+          </p:cNvSpPr>
+          <p:nvPr>
+            <p:ph type="body" idx="1"/>
+          </p:nvPr>
+        </p:nvSpPr>
+        <p:spPr/>
+        <p:txBody>
+          <a:bodyPr/>
+          <a:lstStyle/>
+          <a:p>
+            <a:endParaRPr lang="zh-CN" altLang="en-US" dirty="0"/>
+          </a:p>
+        </p:txBody>
+      </p:sp>
+    </p:spTree>
+    <p:extLst>
+      <p:ext uri="{BB962C8B-B14F-4D97-AF65-F5344CB8AC3E}">
+        <p14:creationId xmlns:p14="http://schemas.microsoft.com/office/powerpoint/2010/main" val="1028030890"/>
+      </p:ext>
+    </p:extLst>
+  </p:cSld>
+  <p:clrMapOvr>
+    <a:masterClrMapping/>
+  </p:clrMapOvr>
+</p:notes>
+</file>
+
+<file path=ppt/notesSlides/notesSlide3.xml><?xml version="1.0" encoding="utf-8"?>
+<p:notes xmlns:a="http://schemas.openxmlformats.org/drawingml/2006/main" xmlns:r="http://schemas.openxmlformats.org/officeDocument/2006/relationships" xmlns:p="http://schemas.openxmlformats.org/presentationml/2006/main">
+  <p:cSld>
+    <p:spTree>
+      <p:nvGrpSpPr>
+        <p:cNvPr id="1" name=""/>
+        <p:cNvGrpSpPr/>
+        <p:nvPr/>
+      </p:nvGrpSpPr>
+      <p:grpSpPr>
+        <a:xfrm>
+          <a:off x="0" y="0"/>
+          <a:ext cx="0" cy="0"/>
+          <a:chOff x="0" y="0"/>
+          <a:chExt cx="0" cy="0"/>
+        </a:xfrm>
+      </p:grpSpPr>
+      <p:sp>
+        <p:nvSpPr>
+          <p:cNvPr id="2" name="幻灯片图像占位符 1"/>
+          <p:cNvSpPr>
+            <a:spLocks noGrp="1" noRot="1" noChangeAspect="1"/>
+          </p:cNvSpPr>
+          <p:nvPr>
+            <p:ph type="sldImg"/>
+          </p:nvPr>
+        </p:nvSpPr>
+        <p:spPr>
+          <a:xfrm>
+            <a:off x="382588" y="685800"/>
+            <a:ext cx="6092825" cy="3429000"/>
+          </a:xfrm>
+        </p:spPr>
+      </p:sp>
+      <p:sp>
+        <p:nvSpPr>
+          <p:cNvPr id="3" name="备注占位符 2"/>
+          <p:cNvSpPr>
+            <a:spLocks noGrp="1"/>
+          </p:cNvSpPr>
+          <p:nvPr>
+            <p:ph type="body" idx="1"/>
+          </p:nvPr>
+        </p:nvSpPr>
+        <p:spPr/>
+        <p:txBody>
+          <a:bodyPr/>
+          <a:lstStyle/>
+          <a:p>
+            <a:r>
+              <a:rPr lang="en-US" altLang="zh-CN" dirty="0" smtClean="0"/>
+              <a:t>1</a:t>
+            </a:r>
+            <a:r>
+              <a:rPr lang="zh-CN" altLang="en-US" dirty="0" smtClean="0"/>
+              <a:t>、对角矩阵的加减乘除仍是对角矩阵；</a:t>
+            </a:r>
+            <a:endParaRPr lang="en-US" altLang="zh-CN" dirty="0" smtClean="0"/>
+          </a:p>
+          <a:p>
+            <a:endParaRPr lang="en-US" altLang="zh-CN" dirty="0" smtClean="0"/>
+          </a:p>
+          <a:p>
+            <a:r>
+              <a:rPr lang="en-US" altLang="zh-CN" dirty="0" smtClean="0"/>
+              <a:t>2</a:t>
+            </a:r>
+            <a:r>
+              <a:rPr lang="zh-CN" altLang="en-US" dirty="0" smtClean="0"/>
+              <a:t>、三角矩阵的加减乘仍是三角矩阵；</a:t>
+            </a:r>
+            <a:endParaRPr lang="en-US" altLang="zh-CN" dirty="0" smtClean="0"/>
+          </a:p>
+          <a:p>
+            <a:endParaRPr lang="en-US" altLang="zh-CN" dirty="0" smtClean="0"/>
+          </a:p>
+          <a:p>
+            <a:r>
+              <a:rPr lang="en-US" altLang="zh-CN" dirty="0" smtClean="0"/>
+              <a:t>3</a:t>
+            </a:r>
+            <a:r>
+              <a:rPr lang="zh-CN" altLang="en-US" dirty="0" smtClean="0"/>
+              <a:t>、对称矩阵的和或差仍是对称矩阵；</a:t>
+            </a:r>
+            <a:endParaRPr lang="zh-CN" altLang="en-US" dirty="0"/>
+          </a:p>
+        </p:txBody>
+      </p:sp>
+    </p:spTree>
+    <p:extLst>
+      <p:ext uri="{BB962C8B-B14F-4D97-AF65-F5344CB8AC3E}">
+        <p14:creationId xmlns:p14="http://schemas.microsoft.com/office/powerpoint/2010/main" val="2558345270"/>
+      </p:ext>
+    </p:extLst>
+  </p:cSld>
+  <p:clrMapOvr>
+    <a:masterClrMapping/>
+  </p:clrMapOvr>
+</p:notes>
+</file>
+
+<file path=ppt/notesSlides/notesSlide4.xml><?xml version="1.0" encoding="utf-8"?>
 <p:notes xmlns:a="http://schemas.openxmlformats.org/drawingml/2006/main" xmlns:r="http://schemas.openxmlformats.org/officeDocument/2006/relationships" xmlns:p="http://schemas.openxmlformats.org/presentationml/2006/main">
   <p:cSld>
     <p:spTree>
@@ -4697,7 +4865,7 @@
             </a:r>
             <a:r>
               <a:rPr lang="zh-CN" altLang="en-US" dirty="0" smtClean="0"/>
-              <a:t>运算</a:t>
+              <a:t>矩阵运算</a:t>
             </a:r>
             <a:endParaRPr lang="zh-CN" altLang="en-US" dirty="0"/>
           </a:p>
@@ -4711,8 +4879,8 @@
         </p:nvSpPr>
         <p:spPr>
           <a:xfrm>
-            <a:off x="2032522" y="3285410"/>
-            <a:ext cx="5263172" cy="646331"/>
+            <a:off x="2186490" y="3299983"/>
+            <a:ext cx="5725222" cy="646331"/>
           </a:xfrm>
           <a:prstGeom prst="rect">
             <a:avLst/>
@@ -4735,7 +4903,7 @@
             </a:r>
             <a:r>
               <a:rPr lang="en-US" altLang="zh-CN" dirty="0" smtClean="0"/>
-              <a:t>C = A+B = B+A</a:t>
+              <a:t>C = A + B = B + A</a:t>
             </a:r>
           </a:p>
         </p:txBody>
@@ -4748,8 +4916,8 @@
         </p:nvSpPr>
         <p:spPr>
           <a:xfrm>
-            <a:off x="2145953" y="4492917"/>
-            <a:ext cx="3737113" cy="646331"/>
+            <a:off x="2145761" y="4455646"/>
+            <a:ext cx="3968138" cy="646331"/>
           </a:xfrm>
           <a:prstGeom prst="rect">
             <a:avLst/>
@@ -4772,7 +4940,7 @@
             </a:r>
             <a:r>
               <a:rPr lang="en-US" altLang="zh-CN" dirty="0" smtClean="0"/>
-              <a:t>C = A-B</a:t>
+              <a:t>C = A - B</a:t>
             </a:r>
             <a:endParaRPr lang="zh-CN" altLang="en-US" dirty="0"/>
           </a:p>
@@ -4787,7 +4955,7 @@
         <p:spPr>
           <a:xfrm>
             <a:off x="12911434" y="3060900"/>
-            <a:ext cx="3762761" cy="646331"/>
+            <a:ext cx="4530800" cy="646331"/>
           </a:xfrm>
           <a:prstGeom prst="rect">
             <a:avLst/>
@@ -4795,7 +4963,7 @@
           <a:noFill/>
         </p:spPr>
         <p:txBody>
-          <a:bodyPr wrap="none" rtlCol="0">
+          <a:bodyPr wrap="square" rtlCol="0">
             <a:spAutoFit/>
           </a:bodyPr>
           <a:lstStyle/>
@@ -4810,14 +4978,14 @@
             </a:r>
             <a:r>
               <a:rPr lang="en-US" altLang="zh-CN" dirty="0" smtClean="0"/>
-              <a:t>C = A*B</a:t>
+              <a:t>C = A * B</a:t>
             </a:r>
             <a:endParaRPr lang="zh-CN" altLang="en-US" dirty="0"/>
           </a:p>
         </p:txBody>
       </p:sp>
-      <mc:AlternateContent xmlns:mc="http://schemas.openxmlformats.org/markup-compatibility/2006" xmlns:a14="http://schemas.microsoft.com/office/drawing/2010/main">
-        <mc:Choice Requires="a14">
+      <mc:AlternateContent xmlns:mc="http://schemas.openxmlformats.org/markup-compatibility/2006">
+        <mc:Choice xmlns:a14="http://schemas.microsoft.com/office/drawing/2010/main" Requires="a14">
           <p:sp>
             <p:nvSpPr>
               <p:cNvPr id="32" name="文本框 31"/>
@@ -4826,8 +4994,8 @@
             </p:nvSpPr>
             <p:spPr>
               <a:xfrm>
-                <a:off x="2284871" y="11019943"/>
-                <a:ext cx="16968107" cy="2283638"/>
+                <a:off x="2284871" y="10732562"/>
+                <a:ext cx="20190335" cy="2857449"/>
               </a:xfrm>
               <a:prstGeom prst="rect">
                 <a:avLst/>
@@ -4858,11 +5026,15 @@
                 </a:r>
                 <a:r>
                   <a:rPr lang="en-US" altLang="zh-CN" sz="2800" dirty="0" smtClean="0"/>
-                  <a:t>A,B,C</a:t>
+                  <a:t>A,B</a:t>
                 </a:r>
                 <a:r>
                   <a:rPr lang="zh-CN" altLang="en-US" sz="2800" dirty="0" smtClean="0"/>
-                  <a:t>行数相同，列数也相同</a:t>
+                  <a:t>行</a:t>
+                </a:r>
+                <a:r>
+                  <a:rPr lang="zh-CN" altLang="en-US" sz="2800" dirty="0" smtClean="0"/>
+                  <a:t>数相同，列数也相同</a:t>
                 </a:r>
                 <a:endParaRPr lang="en-US" altLang="zh-CN" sz="2800" dirty="0" smtClean="0"/>
               </a:p>
@@ -4908,11 +5080,157 @@
               <a:p>
                 <a:r>
                   <a:rPr lang="en-US" altLang="zh-CN" sz="2800" dirty="0" smtClean="0"/>
-                  <a:t>[3]</a:t>
+                  <a:t>[3] </a:t>
                 </a:r>
                 <a:r>
-                  <a:rPr lang="en-US" altLang="zh-CN" sz="2800" dirty="0"/>
+                  <a:rPr lang="zh-CN" altLang="en-US" sz="2800" dirty="0" smtClean="0"/>
+                  <a:t>有的软件也会实现实数和矩阵的加减乘除：</a:t>
+                </a:r>
+                <a:r>
+                  <a:rPr lang="en-US" altLang="zh-CN" sz="2800" dirty="0">
+                    <a:ea typeface="Cambria Math" panose="02040503050406030204" pitchFamily="18" charset="0"/>
+                  </a:rPr>
                   <a:t> </a:t>
+                </a:r>
+                <a14:m>
+                  <m:oMath xmlns:m="http://schemas.openxmlformats.org/officeDocument/2006/math">
+                    <m:r>
+                      <m:rPr>
+                        <m:sty m:val="p"/>
+                      </m:rPr>
+                      <a:rPr lang="en-US" altLang="zh-CN" sz="2800">
+                        <a:latin typeface="Cambria Math" panose="02040503050406030204" pitchFamily="18" charset="0"/>
+                        <a:ea typeface="Cambria Math" panose="02040503050406030204" pitchFamily="18" charset="0"/>
+                      </a:rPr>
+                      <m:t>b</m:t>
+                    </m:r>
+                    <m:r>
+                      <a:rPr lang="en-US" altLang="zh-CN" sz="2800" i="1">
+                        <a:latin typeface="Cambria Math" panose="02040503050406030204" pitchFamily="18" charset="0"/>
+                        <a:ea typeface="Cambria Math" panose="02040503050406030204" pitchFamily="18" charset="0"/>
+                      </a:rPr>
+                      <m:t>±</m:t>
+                    </m:r>
+                    <m:r>
+                      <a:rPr lang="en-US" altLang="zh-CN" sz="2800" i="1">
+                        <a:latin typeface="Cambria Math" panose="02040503050406030204" pitchFamily="18" charset="0"/>
+                        <a:ea typeface="Cambria Math" panose="02040503050406030204" pitchFamily="18" charset="0"/>
+                      </a:rPr>
+                      <m:t>𝐴</m:t>
+                    </m:r>
+                  </m:oMath>
+                </a14:m>
+                <a:r>
+                  <a:rPr lang="zh-CN" altLang="en-US" sz="2800" dirty="0" smtClean="0"/>
+                  <a:t>，</a:t>
+                </a:r>
+                <a14:m>
+                  <m:oMath xmlns:m="http://schemas.openxmlformats.org/officeDocument/2006/math">
+                    <m:r>
+                      <m:rPr>
+                        <m:sty m:val="p"/>
+                      </m:rPr>
+                      <a:rPr lang="en-US" altLang="zh-CN" sz="2800" dirty="0">
+                        <a:latin typeface="Cambria Math" panose="02040503050406030204" pitchFamily="18" charset="0"/>
+                        <a:ea typeface="Cambria Math" panose="02040503050406030204" pitchFamily="18" charset="0"/>
+                      </a:rPr>
+                      <m:t>A</m:t>
+                    </m:r>
+                    <m:r>
+                      <a:rPr lang="en-US" altLang="zh-CN" sz="2800" i="1">
+                        <a:latin typeface="Cambria Math" panose="02040503050406030204" pitchFamily="18" charset="0"/>
+                        <a:ea typeface="Cambria Math" panose="02040503050406030204" pitchFamily="18" charset="0"/>
+                      </a:rPr>
+                      <m:t>±</m:t>
+                    </m:r>
+                    <m:r>
+                      <a:rPr lang="en-US" altLang="zh-CN" sz="2800" i="1">
+                        <a:latin typeface="Cambria Math" panose="02040503050406030204" pitchFamily="18" charset="0"/>
+                        <a:ea typeface="Cambria Math" panose="02040503050406030204" pitchFamily="18" charset="0"/>
+                      </a:rPr>
+                      <m:t>𝑏</m:t>
+                    </m:r>
+                  </m:oMath>
+                </a14:m>
+                <a:r>
+                  <a:rPr lang="zh-CN" altLang="en-US" sz="2800" dirty="0" smtClean="0"/>
+                  <a:t>，</a:t>
+                </a:r>
+                <a:r>
+                  <a:rPr lang="en-US" altLang="zh-CN" sz="2800" dirty="0" smtClean="0"/>
+                  <a:t>b ./ A</a:t>
+                </a:r>
+                <a:r>
+                  <a:rPr lang="zh-CN" altLang="en-US" sz="2800" dirty="0" smtClean="0"/>
+                  <a:t>，</a:t>
+                </a:r>
+                <a:r>
+                  <a:rPr lang="en-US" altLang="zh-CN" sz="2800" dirty="0" smtClean="0"/>
+                  <a:t>A / b = A * </a:t>
+                </a:r>
+                <a14:m>
+                  <m:oMath xmlns:m="http://schemas.openxmlformats.org/officeDocument/2006/math">
+                    <m:f>
+                      <m:fPr>
+                        <m:ctrlPr>
+                          <a:rPr lang="en-US" altLang="zh-CN" sz="2800" b="0" i="1" smtClean="0">
+                            <a:latin typeface="Cambria Math" panose="02040503050406030204" pitchFamily="18" charset="0"/>
+                          </a:rPr>
+                        </m:ctrlPr>
+                      </m:fPr>
+                      <m:num>
+                        <m:r>
+                          <a:rPr lang="en-US" altLang="zh-CN" sz="2800" b="0" i="1" smtClean="0">
+                            <a:latin typeface="Cambria Math" panose="02040503050406030204" pitchFamily="18" charset="0"/>
+                          </a:rPr>
+                          <m:t>1</m:t>
+                        </m:r>
+                      </m:num>
+                      <m:den>
+                        <m:r>
+                          <a:rPr lang="en-US" altLang="zh-CN" sz="2800" b="0" i="1" smtClean="0">
+                            <a:latin typeface="Cambria Math" panose="02040503050406030204" pitchFamily="18" charset="0"/>
+                          </a:rPr>
+                          <m:t>𝑏</m:t>
+                        </m:r>
+                      </m:den>
+                    </m:f>
+                  </m:oMath>
+                </a14:m>
+                <a:r>
+                  <a:rPr lang="zh-CN" altLang="en-US" sz="2800" dirty="0" smtClean="0"/>
+                  <a:t>，前</a:t>
+                </a:r>
+                <a:r>
+                  <a:rPr lang="en-US" altLang="zh-CN" sz="2800" dirty="0" smtClean="0"/>
+                  <a:t>3</a:t>
+                </a:r>
+                <a:r>
+                  <a:rPr lang="zh-CN" altLang="en-US" sz="2800" dirty="0" smtClean="0"/>
+                  <a:t>种情况</a:t>
+                </a:r>
+                <a:r>
+                  <a:rPr lang="en-US" altLang="zh-CN" sz="2800" dirty="0" smtClean="0"/>
+                  <a:t>b</a:t>
+                </a:r>
+                <a:r>
+                  <a:rPr lang="zh-CN" altLang="en-US" sz="2800" dirty="0" smtClean="0"/>
+                  <a:t>扩展为和</a:t>
+                </a:r>
+                <a:r>
+                  <a:rPr lang="en-US" altLang="zh-CN" sz="2800" dirty="0" smtClean="0"/>
+                  <a:t>A</a:t>
+                </a:r>
+                <a:r>
+                  <a:rPr lang="zh-CN" altLang="en-US" sz="2800" dirty="0" smtClean="0"/>
+                  <a:t>大小一样的矩阵</a:t>
+                </a:r>
+                <a:endParaRPr lang="en-US" altLang="zh-CN" sz="2800" dirty="0" smtClean="0"/>
+              </a:p>
+              <a:p>
+                <a:r>
+                  <a:rPr lang="en-US" altLang="zh-CN" sz="2800" dirty="0" smtClean="0"/>
+                  <a:t>[4] </a:t>
                 </a:r>
                 <a:r>
                   <a:rPr lang="en-US" altLang="zh-CN" sz="2800" dirty="0" err="1"/>
@@ -4959,7 +5277,7 @@
               <a:p>
                 <a:r>
                   <a:rPr lang="en-US" altLang="zh-CN" sz="2800" dirty="0" smtClean="0"/>
-                  <a:t>[4] </a:t>
+                  <a:t>[5] </a:t>
                 </a:r>
                 <a:r>
                   <a:rPr lang="zh-CN" altLang="en-US" sz="2800" dirty="0" smtClean="0"/>
@@ -5016,7 +5334,7 @@
             </p:txBody>
           </p:sp>
         </mc:Choice>
-        <mc:Fallback xmlns="">
+        <mc:Fallback>
           <p:sp>
             <p:nvSpPr>
               <p:cNvPr id="32" name="文本框 31"/>
@@ -5027,16 +5345,16 @@
             </p:nvSpPr>
             <p:spPr>
               <a:xfrm>
-                <a:off x="2284871" y="11019943"/>
-                <a:ext cx="16968107" cy="2283638"/>
+                <a:off x="2284871" y="10732562"/>
+                <a:ext cx="20190335" cy="2857449"/>
               </a:xfrm>
               <a:prstGeom prst="rect">
                 <a:avLst/>
               </a:prstGeom>
               <a:blipFill>
-                <a:blip r:embed="rId2"/>
+                <a:blip r:embed="rId3"/>
                 <a:stretch>
-                  <a:fillRect l="-755" t="-3209" b="-5080"/>
+                  <a:fillRect l="-634" t="-2564" b="-5128"/>
                 </a:stretch>
               </a:blipFill>
             </p:spPr>
@@ -5055,30 +5373,6 @@
           </p:sp>
         </mc:Fallback>
       </mc:AlternateContent>
-      <p:pic>
-        <p:nvPicPr>
-          <p:cNvPr id="5" name="图片 4"/>
-          <p:cNvPicPr>
-            <a:picLocks noChangeAspect="1"/>
-          </p:cNvPicPr>
-          <p:nvPr/>
-        </p:nvPicPr>
-        <p:blipFill>
-          <a:blip r:embed="rId3"/>
-          <a:stretch>
-            <a:fillRect/>
-          </a:stretch>
-        </p:blipFill>
-        <p:spPr>
-          <a:xfrm>
-            <a:off x="9504015" y="228426"/>
-            <a:ext cx="4752975" cy="2562225"/>
-          </a:xfrm>
-          <a:prstGeom prst="rect">
-            <a:avLst/>
-          </a:prstGeom>
-        </p:spPr>
-      </p:pic>
       <p:sp>
         <p:nvSpPr>
           <p:cNvPr id="33" name="文本框 32"/>
@@ -5087,8 +5381,8 @@
         </p:nvSpPr>
         <p:spPr>
           <a:xfrm>
-            <a:off x="2145953" y="6208827"/>
-            <a:ext cx="3736920" cy="646331"/>
+            <a:off x="2128458" y="6145310"/>
+            <a:ext cx="6583313" cy="646331"/>
           </a:xfrm>
           <a:prstGeom prst="rect">
             <a:avLst/>
@@ -5096,7 +5390,7 @@
           <a:noFill/>
         </p:spPr>
         <p:txBody>
-          <a:bodyPr wrap="none" rtlCol="0">
+          <a:bodyPr wrap="square" rtlCol="0">
             <a:spAutoFit/>
           </a:bodyPr>
           <a:lstStyle/>
@@ -5111,7 +5405,7 @@
             </a:r>
             <a:r>
               <a:rPr lang="en-US" altLang="zh-CN" dirty="0" smtClean="0"/>
-              <a:t>C = b*A</a:t>
+              <a:t>C = b * A = A * b   [3]</a:t>
             </a:r>
             <a:endParaRPr lang="zh-CN" altLang="en-US" dirty="0"/>
           </a:p>
@@ -5126,7 +5420,7 @@
         <p:spPr>
           <a:xfrm>
             <a:off x="2074977" y="9830177"/>
-            <a:ext cx="5147948" cy="646331"/>
+            <a:ext cx="8931419" cy="646331"/>
           </a:xfrm>
           <a:prstGeom prst="rect">
             <a:avLst/>
@@ -5149,7 +5443,15 @@
             </a:r>
             <a:r>
               <a:rPr lang="en-US" altLang="zh-CN" dirty="0" smtClean="0"/>
-              <a:t>C = A .* B    [3]</a:t>
+              <a:t>C = A .* B    [4]</a:t>
+            </a:r>
+            <a:r>
+              <a:rPr lang="zh-CN" altLang="en-US" dirty="0" smtClean="0"/>
+              <a:t>，点除：</a:t>
+            </a:r>
+            <a:r>
+              <a:rPr lang="en-US" altLang="zh-CN" dirty="0" smtClean="0"/>
+              <a:t>C = A ./ B</a:t>
             </a:r>
             <a:endParaRPr lang="zh-CN" altLang="en-US" dirty="0"/>
           </a:p>
@@ -5311,7 +5613,7 @@
         </p:blipFill>
         <p:spPr>
           <a:xfrm>
-            <a:off x="16559509" y="1961456"/>
+            <a:off x="16866770" y="1799174"/>
             <a:ext cx="5400000" cy="5130834"/>
           </a:xfrm>
           <a:prstGeom prst="rect">
@@ -5655,7 +5957,7 @@
                 </a:r>
                 <a:r>
                   <a:rPr lang="en-US" altLang="zh-CN" dirty="0" smtClean="0"/>
-                  <a:t>[4]</a:t>
+                  <a:t>[5]</a:t>
                 </a:r>
                 <a:endParaRPr lang="zh-CN" altLang="en-US" dirty="0"/>
               </a:p>
@@ -5701,6 +6003,76 @@
           </p:sp>
         </mc:Fallback>
       </mc:AlternateContent>
+      <p:pic>
+        <p:nvPicPr>
+          <p:cNvPr id="5" name="图片 4"/>
+          <p:cNvPicPr>
+            <a:picLocks noChangeAspect="1"/>
+          </p:cNvPicPr>
+          <p:nvPr/>
+        </p:nvPicPr>
+        <p:blipFill>
+          <a:blip r:embed="rId10"/>
+          <a:stretch>
+            <a:fillRect/>
+          </a:stretch>
+        </p:blipFill>
+        <p:spPr>
+          <a:xfrm>
+            <a:off x="10673035" y="228426"/>
+            <a:ext cx="4752975" cy="2562225"/>
+          </a:xfrm>
+          <a:prstGeom prst="rect">
+            <a:avLst/>
+          </a:prstGeom>
+        </p:spPr>
+      </p:pic>
+      <p:sp>
+        <p:nvSpPr>
+          <p:cNvPr id="19" name="文本框 18"/>
+          <p:cNvSpPr txBox="1"/>
+          <p:nvPr/>
+        </p:nvSpPr>
+        <p:spPr>
+          <a:xfrm>
+            <a:off x="12873549" y="5983655"/>
+            <a:ext cx="4301177" cy="646331"/>
+          </a:xfrm>
+          <a:prstGeom prst="rect">
+            <a:avLst/>
+          </a:prstGeom>
+          <a:noFill/>
+        </p:spPr>
+        <p:txBody>
+          <a:bodyPr wrap="none" rtlCol="0">
+            <a:spAutoFit/>
+          </a:bodyPr>
+          <a:lstStyle/>
+          <a:p>
+            <a:r>
+              <a:rPr lang="zh-CN" altLang="en-US" dirty="0" smtClean="0"/>
+              <a:t>注意：</a:t>
+            </a:r>
+            <a:r>
+              <a:rPr lang="en-US" altLang="zh-CN" dirty="0" smtClean="0"/>
+              <a:t>A</a:t>
+            </a:r>
+            <a:r>
+              <a:rPr lang="zh-CN" altLang="en-US" dirty="0" smtClean="0"/>
+              <a:t>的列</a:t>
+            </a:r>
+            <a:r>
+              <a:rPr lang="en-US" altLang="zh-CN" dirty="0" smtClean="0"/>
+              <a:t>=B</a:t>
+            </a:r>
+            <a:r>
+              <a:rPr lang="zh-CN" altLang="en-US" dirty="0" smtClean="0"/>
+              <a:t>的行</a:t>
+            </a:r>
+            <a:endParaRPr lang="zh-CN" altLang="en-US" dirty="0"/>
+          </a:p>
+        </p:txBody>
+      </p:sp>
     </p:spTree>
     <p:extLst>
       <p:ext uri="{BB962C8B-B14F-4D97-AF65-F5344CB8AC3E}">
@@ -5767,7 +6139,7 @@
             </a:r>
             <a:r>
               <a:rPr lang="zh-CN" altLang="en-US" dirty="0" smtClean="0"/>
-              <a:t>范数</a:t>
+              <a:t>向量范数</a:t>
             </a:r>
             <a:endParaRPr lang="zh-CN" altLang="en-US" dirty="0"/>
           </a:p>
@@ -5820,7 +6192,21 @@
                 <a:latin typeface="宋体" panose="02010600030101010101" pitchFamily="2" charset="-122"/>
                 <a:ea typeface="宋体" panose="02010600030101010101" pitchFamily="2" charset="-122"/>
               </a:rPr>
-              <a:t>大小，它是一个向量空间到实数域的映射。</a:t>
+              <a:t>大小，它是一个</a:t>
+            </a:r>
+            <a:r>
+              <a:rPr lang="zh-CN" altLang="en-US" b="1" dirty="0" smtClean="0">
+                <a:latin typeface="黑体" panose="02010609060101010101" pitchFamily="49" charset="-122"/>
+                <a:ea typeface="黑体" panose="02010609060101010101" pitchFamily="49" charset="-122"/>
+              </a:rPr>
+              <a:t>向量空间</a:t>
+            </a:r>
+            <a:r>
+              <a:rPr lang="zh-CN" altLang="en-US" dirty="0" smtClean="0">
+                <a:latin typeface="宋体" panose="02010600030101010101" pitchFamily="2" charset="-122"/>
+                <a:ea typeface="宋体" panose="02010600030101010101" pitchFamily="2" charset="-122"/>
+              </a:rPr>
+              <a:t>到实数域的映射。</a:t>
             </a:r>
             <a:endParaRPr lang="zh-CN" altLang="en-US" dirty="0"/>
           </a:p>
@@ -6997,8 +7383,8 @@
           </a:p>
         </p:txBody>
       </p:sp>
-      <mc:AlternateContent xmlns:mc="http://schemas.openxmlformats.org/markup-compatibility/2006">
-        <mc:Choice xmlns:a14="http://schemas.microsoft.com/office/drawing/2010/main" Requires="a14">
+      <mc:AlternateContent xmlns:mc="http://schemas.openxmlformats.org/markup-compatibility/2006" xmlns:a14="http://schemas.microsoft.com/office/drawing/2010/main">
+        <mc:Choice Requires="a14">
           <p:sp>
             <p:nvSpPr>
               <p:cNvPr id="7" name="矩形 6"/>
@@ -7117,7 +7503,7 @@
             </p:txBody>
           </p:sp>
         </mc:Choice>
-        <mc:Fallback>
+        <mc:Fallback xmlns="">
           <p:sp>
             <p:nvSpPr>
               <p:cNvPr id="7" name="矩形 6"/>
@@ -7135,7 +7521,7 @@
                 <a:avLst/>
               </a:prstGeom>
               <a:blipFill>
-                <a:blip r:embed="rId2"/>
+                <a:blip r:embed="rId3"/>
                 <a:stretch>
                   <a:fillRect l="-5076" t="-14151" b="-34906"/>
                 </a:stretch>
@@ -7156,8 +7542,8 @@
           </p:sp>
         </mc:Fallback>
       </mc:AlternateContent>
-      <mc:AlternateContent xmlns:mc="http://schemas.openxmlformats.org/markup-compatibility/2006">
-        <mc:Choice xmlns:a14="http://schemas.microsoft.com/office/drawing/2010/main" Requires="a14">
+      <mc:AlternateContent xmlns:mc="http://schemas.openxmlformats.org/markup-compatibility/2006" xmlns:a14="http://schemas.microsoft.com/office/drawing/2010/main">
+        <mc:Choice Requires="a14">
           <p:sp>
             <p:nvSpPr>
               <p:cNvPr id="8" name="矩形 7"/>
@@ -7308,7 +7694,7 @@
             </p:txBody>
           </p:sp>
         </mc:Choice>
-        <mc:Fallback>
+        <mc:Fallback xmlns="">
           <p:sp>
             <p:nvSpPr>
               <p:cNvPr id="8" name="矩形 7"/>
@@ -7326,7 +7712,7 @@
                 <a:avLst/>
               </a:prstGeom>
               <a:blipFill>
-                <a:blip r:embed="rId3"/>
+                <a:blip r:embed="rId4"/>
                 <a:stretch>
                   <a:fillRect l="-4704" t="-12037" b="-34259"/>
                 </a:stretch>
@@ -7403,7 +7789,7 @@
           <p:nvPr/>
         </p:nvPicPr>
         <p:blipFill>
-          <a:blip r:embed="rId4"/>
+          <a:blip r:embed="rId5"/>
           <a:stretch>
             <a:fillRect/>
           </a:stretch>
@@ -7427,7 +7813,7 @@
           <p:nvPr/>
         </p:nvPicPr>
         <p:blipFill>
-          <a:blip r:embed="rId5"/>
+          <a:blip r:embed="rId6"/>
           <a:stretch>
             <a:fillRect/>
           </a:stretch>
@@ -7451,7 +7837,7 @@
           <p:nvPr/>
         </p:nvPicPr>
         <p:blipFill>
-          <a:blip r:embed="rId6"/>
+          <a:blip r:embed="rId7"/>
           <a:stretch>
             <a:fillRect/>
           </a:stretch>
@@ -7475,7 +7861,7 @@
           <p:nvPr/>
         </p:nvPicPr>
         <p:blipFill>
-          <a:blip r:embed="rId7">
+          <a:blip r:embed="rId8">
             <a:extLst>
               <a:ext uri="{28A0092B-C50C-407E-A947-70E740481C1C}">
                 <a14:useLocalDpi xmlns:a14="http://schemas.microsoft.com/office/drawing/2010/main" val="0"/>
@@ -7496,8 +7882,8 @@
           </a:prstGeom>
         </p:spPr>
       </p:pic>
-      <mc:AlternateContent xmlns:mc="http://schemas.openxmlformats.org/markup-compatibility/2006">
-        <mc:Choice xmlns:a14="http://schemas.microsoft.com/office/drawing/2010/main" Requires="a14">
+      <mc:AlternateContent xmlns:mc="http://schemas.openxmlformats.org/markup-compatibility/2006" xmlns:a14="http://schemas.microsoft.com/office/drawing/2010/main">
+        <mc:Choice Requires="a14">
           <p:sp>
             <p:nvSpPr>
               <p:cNvPr id="15" name="矩形 14"/>
@@ -7506,8 +7892,8 @@
             </p:nvSpPr>
             <p:spPr>
               <a:xfrm>
-                <a:off x="16460781" y="10243232"/>
-                <a:ext cx="5246501" cy="646331"/>
+                <a:off x="16501227" y="9961906"/>
+                <a:ext cx="5246501" cy="1754326"/>
               </a:xfrm>
               <a:prstGeom prst="rect">
                 <a:avLst/>
@@ -7641,12 +8027,63 @@
                     </m:r>
                   </m:oMath>
                 </a14:m>
+                <a:endParaRPr lang="en-US" altLang="zh-CN" dirty="0" smtClean="0">
+                  <a:latin typeface="仿宋" panose="02010609060101010101" pitchFamily="49" charset="-122"/>
+                  <a:ea typeface="宋体" panose="02010600030101010101" pitchFamily="2" charset="-122"/>
+                  <a:cs typeface="Times New Roman" panose="02020603050405020304" pitchFamily="18" charset="0"/>
+                </a:endParaRPr>
+              </a:p>
+              <a:p>
+                <a:endParaRPr lang="en-US" altLang="zh-CN" dirty="0" smtClean="0">
+                  <a:latin typeface="仿宋" panose="02010609060101010101" pitchFamily="49" charset="-122"/>
+                  <a:ea typeface="宋体" panose="02010600030101010101" pitchFamily="2" charset="-122"/>
+                  <a:cs typeface="Times New Roman" panose="02020603050405020304" pitchFamily="18" charset="0"/>
+                </a:endParaRPr>
+              </a:p>
+              <a:p>
+                <a:pPr algn="ctr"/>
+                <a14:m>
+                  <m:oMath xmlns:m="http://schemas.openxmlformats.org/officeDocument/2006/math">
+                    <m:r>
+                      <a:rPr lang="en-US" altLang="zh-CN" i="1">
+                        <a:latin typeface="Cambria Math" panose="02040503050406030204" pitchFamily="18" charset="0"/>
+                        <a:ea typeface="宋体" panose="02010600030101010101" pitchFamily="2" charset="-122"/>
+                        <a:cs typeface="Times New Roman" panose="02020603050405020304" pitchFamily="18" charset="0"/>
+                      </a:rPr>
+                      <m:t>𝑓</m:t>
+                    </m:r>
+                    <m:d>
+                      <m:dPr>
+                        <m:ctrlPr>
+                          <a:rPr lang="zh-CN" altLang="zh-CN" i="1">
+                            <a:latin typeface="Cambria Math" panose="02040503050406030204" pitchFamily="18" charset="0"/>
+                            <a:ea typeface="Cambria Math" panose="02040503050406030204" pitchFamily="18" charset="0"/>
+                          </a:rPr>
+                        </m:ctrlPr>
+                      </m:dPr>
+                      <m:e>
+                        <m:r>
+                          <a:rPr lang="en-US" altLang="zh-CN" i="1">
+                            <a:latin typeface="Cambria Math" panose="02040503050406030204" pitchFamily="18" charset="0"/>
+                            <a:ea typeface="宋体" panose="02010600030101010101" pitchFamily="2" charset="-122"/>
+                            <a:cs typeface="Times New Roman" panose="02020603050405020304" pitchFamily="18" charset="0"/>
+                          </a:rPr>
+                          <m:t>𝑥</m:t>
+                        </m:r>
+                      </m:e>
+                    </m:d>
+                  </m:oMath>
+                </a14:m>
+                <a:r>
+                  <a:rPr lang="zh-CN" altLang="en-US" dirty="0" smtClean="0"/>
+                  <a:t>是二次型</a:t>
+                </a:r>
                 <a:endParaRPr lang="zh-CN" altLang="en-US" dirty="0"/>
               </a:p>
             </p:txBody>
           </p:sp>
         </mc:Choice>
-        <mc:Fallback>
+        <mc:Fallback xmlns="">
           <p:sp>
             <p:nvSpPr>
               <p:cNvPr id="15" name="矩形 14"/>
@@ -7657,16 +8094,16 @@
             </p:nvSpPr>
             <p:spPr>
               <a:xfrm>
-                <a:off x="16460781" y="10243232"/>
-                <a:ext cx="5246501" cy="646331"/>
+                <a:off x="16501227" y="9961906"/>
+                <a:ext cx="5246501" cy="1754326"/>
               </a:xfrm>
               <a:prstGeom prst="rect">
                 <a:avLst/>
               </a:prstGeom>
               <a:blipFill>
-                <a:blip r:embed="rId8"/>
+                <a:blip r:embed="rId9"/>
                 <a:stretch>
-                  <a:fillRect t="-16981" b="-32075"/>
+                  <a:fillRect t="-6250" b="-12153"/>
                 </a:stretch>
               </a:blipFill>
             </p:spPr>
@@ -7788,7 +8225,7 @@
             <p:spPr>
               <a:xfrm>
                 <a:off x="2265673" y="5131549"/>
-                <a:ext cx="10116616" cy="646331"/>
+                <a:ext cx="10533653" cy="646331"/>
               </a:xfrm>
               <a:prstGeom prst="rect">
                 <a:avLst/>
@@ -7901,8 +8338,21 @@
                     <a:ea typeface="宋体" panose="02010600030101010101" pitchFamily="2" charset="-122"/>
                     <a:cs typeface="Times New Roman" panose="02020603050405020304" pitchFamily="18" charset="0"/>
                   </a:rPr>
-                  <a:t>的特征向量</a:t>
+                  <a:t>的</a:t>
                 </a:r>
+                <a:r>
+                  <a:rPr lang="zh-CN" altLang="en-US" kern="100" dirty="0" smtClean="0">
+                    <a:latin typeface="Times New Roman" panose="02020603050405020304" pitchFamily="18" charset="0"/>
+                    <a:ea typeface="宋体" panose="02010600030101010101" pitchFamily="2" charset="-122"/>
+                    <a:cs typeface="Times New Roman" panose="02020603050405020304" pitchFamily="18" charset="0"/>
+                  </a:rPr>
+                  <a:t>特征向量。</a:t>
+                </a:r>
+                <a:endParaRPr lang="zh-CN" altLang="en-US" kern="100" dirty="0">
+                  <a:latin typeface="Times New Roman" panose="02020603050405020304" pitchFamily="18" charset="0"/>
+                  <a:ea typeface="宋体" panose="02010600030101010101" pitchFamily="2" charset="-122"/>
+                  <a:cs typeface="Times New Roman" panose="02020603050405020304" pitchFamily="18" charset="0"/>
+                </a:endParaRPr>
               </a:p>
             </p:txBody>
           </p:sp>
@@ -7919,7 +8369,7 @@
             <p:spPr>
               <a:xfrm>
                 <a:off x="2265673" y="5131549"/>
-                <a:ext cx="10116616" cy="646331"/>
+                <a:ext cx="10533653" cy="646331"/>
               </a:xfrm>
               <a:prstGeom prst="rect">
                 <a:avLst/>
@@ -7927,7 +8377,7 @@
               <a:blipFill>
                 <a:blip r:embed="rId2"/>
                 <a:stretch>
-                  <a:fillRect t="-18868" r="-301" b="-34906"/>
+                  <a:fillRect t="-18868" r="-637" b="-34906"/>
                 </a:stretch>
               </a:blipFill>
             </p:spPr>
@@ -15682,7 +16132,6 @@
               <a:rPr lang="zh-CN" altLang="en-US" dirty="0"/>
               <a:t>分解</a:t>
             </a:r>
-            <a:endParaRPr lang="zh-CN" altLang="en-US" dirty="0"/>
           </a:p>
         </p:txBody>
       </p:sp>

--- a/doc/数学基础知识介绍_矩阵.pptx
+++ b/doc/数学基础知识介绍_矩阵.pptx
@@ -3340,7 +3340,7 @@
           <a:p>
             <a:pPr algn="ctr"/>
             <a:r>
-              <a:rPr kumimoji="1" lang="zh-CN" altLang="it-IT" sz="10000" b="1" dirty="0">
+              <a:rPr kumimoji="1" lang="zh-CN" altLang="en-US" sz="10000" b="1" dirty="0" smtClean="0">
                 <a:solidFill>
                   <a:schemeClr val="bg1"/>
                 </a:solidFill>
@@ -3348,29 +3348,7 @@
                 <a:ea typeface="Microsoft YaHei" charset="-122"/>
                 <a:cs typeface="Microsoft YaHei" charset="-122"/>
               </a:rPr>
-              <a:t>旷视</a:t>
-            </a:r>
-            <a:r>
-              <a:rPr kumimoji="1" lang="en-US" altLang="zh-CN" sz="10000" b="1" dirty="0">
-                <a:solidFill>
-                  <a:schemeClr val="bg1"/>
-                </a:solidFill>
-                <a:latin typeface="Microsoft YaHei" charset="-122"/>
-                <a:ea typeface="Microsoft YaHei" charset="-122"/>
-                <a:cs typeface="Microsoft YaHei" charset="-122"/>
-              </a:rPr>
-              <a:t>2019PPT</a:t>
-            </a:r>
-            <a:r>
-              <a:rPr kumimoji="1" lang="zh-CN" altLang="en-US" sz="10000" b="1" dirty="0">
-                <a:solidFill>
-                  <a:schemeClr val="bg1"/>
-                </a:solidFill>
-                <a:latin typeface="Microsoft YaHei" charset="-122"/>
-                <a:ea typeface="Microsoft YaHei" charset="-122"/>
-                <a:cs typeface="Microsoft YaHei" charset="-122"/>
-              </a:rPr>
-              <a:t>模板</a:t>
+              <a:t>矩阵基础知识介绍</a:t>
             </a:r>
             <a:endParaRPr kumimoji="1" lang="it-IT" altLang="zh-CN" sz="10000" b="1" dirty="0">
               <a:solidFill>
@@ -4984,8 +4962,8 @@
           </a:p>
         </p:txBody>
       </p:sp>
-      <mc:AlternateContent xmlns:mc="http://schemas.openxmlformats.org/markup-compatibility/2006">
-        <mc:Choice xmlns:a14="http://schemas.microsoft.com/office/drawing/2010/main" Requires="a14">
+      <mc:AlternateContent xmlns:mc="http://schemas.openxmlformats.org/markup-compatibility/2006" xmlns:a14="http://schemas.microsoft.com/office/drawing/2010/main">
+        <mc:Choice Requires="a14">
           <p:sp>
             <p:nvSpPr>
               <p:cNvPr id="32" name="文本框 31"/>
@@ -5030,11 +5008,7 @@
                 </a:r>
                 <a:r>
                   <a:rPr lang="zh-CN" altLang="en-US" sz="2800" dirty="0" smtClean="0"/>
-                  <a:t>行</a:t>
-                </a:r>
-                <a:r>
-                  <a:rPr lang="zh-CN" altLang="en-US" sz="2800" dirty="0" smtClean="0"/>
-                  <a:t>数相同，列数也相同</a:t>
+                  <a:t>行数相同，列数也相同</a:t>
                 </a:r>
                 <a:endParaRPr lang="en-US" altLang="zh-CN" sz="2800" dirty="0" smtClean="0"/>
               </a:p>
@@ -5334,7 +5308,7 @@
             </p:txBody>
           </p:sp>
         </mc:Choice>
-        <mc:Fallback>
+        <mc:Fallback xmlns="">
           <p:sp>
             <p:nvSpPr>
               <p:cNvPr id="32" name="文本框 31"/>
@@ -6086,9 +6060,696 @@
   <p:timing>
     <p:tnLst>
       <p:par>
-        <p:cTn id="1" dur="indefinite" restart="never" nodeType="tmRoot"/>
+        <p:cTn id="1" dur="indefinite" restart="never" nodeType="tmRoot">
+          <p:childTnLst>
+            <p:seq concurrent="1" nextAc="seek">
+              <p:cTn id="2" dur="indefinite" nodeType="mainSeq">
+                <p:childTnLst>
+                  <p:par>
+                    <p:cTn id="3" fill="hold">
+                      <p:stCondLst>
+                        <p:cond delay="indefinite"/>
+                      </p:stCondLst>
+                      <p:childTnLst>
+                        <p:par>
+                          <p:cTn id="4" fill="hold">
+                            <p:stCondLst>
+                              <p:cond delay="0"/>
+                            </p:stCondLst>
+                            <p:childTnLst>
+                              <p:par>
+                                <p:cTn id="5" presetID="10" presetClass="entr" presetSubtype="0" fill="hold" grpId="0" nodeType="clickEffect">
+                                  <p:stCondLst>
+                                    <p:cond delay="0"/>
+                                  </p:stCondLst>
+                                  <p:childTnLst>
+                                    <p:set>
+                                      <p:cBhvr>
+                                        <p:cTn id="6" dur="1" fill="hold">
+                                          <p:stCondLst>
+                                            <p:cond delay="0"/>
+                                          </p:stCondLst>
+                                        </p:cTn>
+                                        <p:tgtEl>
+                                          <p:spTgt spid="30"/>
+                                        </p:tgtEl>
+                                        <p:attrNameLst>
+                                          <p:attrName>style.visibility</p:attrName>
+                                        </p:attrNameLst>
+                                      </p:cBhvr>
+                                      <p:to>
+                                        <p:strVal val="visible"/>
+                                      </p:to>
+                                    </p:set>
+                                    <p:animEffect transition="in" filter="fade">
+                                      <p:cBhvr>
+                                        <p:cTn id="7" dur="500"/>
+                                        <p:tgtEl>
+                                          <p:spTgt spid="30"/>
+                                        </p:tgtEl>
+                                      </p:cBhvr>
+                                    </p:animEffect>
+                                  </p:childTnLst>
+                                </p:cTn>
+                              </p:par>
+                              <p:par>
+                                <p:cTn id="8" presetID="10" presetClass="entr" presetSubtype="0" fill="hold" grpId="0" nodeType="withEffect">
+                                  <p:stCondLst>
+                                    <p:cond delay="0"/>
+                                  </p:stCondLst>
+                                  <p:childTnLst>
+                                    <p:set>
+                                      <p:cBhvr>
+                                        <p:cTn id="9" dur="1" fill="hold">
+                                          <p:stCondLst>
+                                            <p:cond delay="0"/>
+                                          </p:stCondLst>
+                                        </p:cTn>
+                                        <p:tgtEl>
+                                          <p:spTgt spid="4"/>
+                                        </p:tgtEl>
+                                        <p:attrNameLst>
+                                          <p:attrName>style.visibility</p:attrName>
+                                        </p:attrNameLst>
+                                      </p:cBhvr>
+                                      <p:to>
+                                        <p:strVal val="visible"/>
+                                      </p:to>
+                                    </p:set>
+                                    <p:animEffect transition="in" filter="fade">
+                                      <p:cBhvr>
+                                        <p:cTn id="10" dur="500"/>
+                                        <p:tgtEl>
+                                          <p:spTgt spid="4"/>
+                                        </p:tgtEl>
+                                      </p:cBhvr>
+                                    </p:animEffect>
+                                  </p:childTnLst>
+                                </p:cTn>
+                              </p:par>
+                              <p:par>
+                                <p:cTn id="11" presetID="10" presetClass="entr" presetSubtype="0" fill="hold" nodeType="withEffect">
+                                  <p:stCondLst>
+                                    <p:cond delay="0"/>
+                                  </p:stCondLst>
+                                  <p:childTnLst>
+                                    <p:set>
+                                      <p:cBhvr>
+                                        <p:cTn id="12" dur="1" fill="hold">
+                                          <p:stCondLst>
+                                            <p:cond delay="0"/>
+                                          </p:stCondLst>
+                                        </p:cTn>
+                                        <p:tgtEl>
+                                          <p:spTgt spid="6"/>
+                                        </p:tgtEl>
+                                        <p:attrNameLst>
+                                          <p:attrName>style.visibility</p:attrName>
+                                        </p:attrNameLst>
+                                      </p:cBhvr>
+                                      <p:to>
+                                        <p:strVal val="visible"/>
+                                      </p:to>
+                                    </p:set>
+                                    <p:animEffect transition="in" filter="fade">
+                                      <p:cBhvr>
+                                        <p:cTn id="13" dur="500"/>
+                                        <p:tgtEl>
+                                          <p:spTgt spid="6"/>
+                                        </p:tgtEl>
+                                      </p:cBhvr>
+                                    </p:animEffect>
+                                  </p:childTnLst>
+                                </p:cTn>
+                              </p:par>
+                              <p:par>
+                                <p:cTn id="14" presetID="10" presetClass="entr" presetSubtype="0" fill="hold" grpId="0" nodeType="withEffect">
+                                  <p:stCondLst>
+                                    <p:cond delay="0"/>
+                                  </p:stCondLst>
+                                  <p:childTnLst>
+                                    <p:set>
+                                      <p:cBhvr>
+                                        <p:cTn id="15" dur="1" fill="hold">
+                                          <p:stCondLst>
+                                            <p:cond delay="0"/>
+                                          </p:stCondLst>
+                                        </p:cTn>
+                                        <p:tgtEl>
+                                          <p:spTgt spid="7"/>
+                                        </p:tgtEl>
+                                        <p:attrNameLst>
+                                          <p:attrName>style.visibility</p:attrName>
+                                        </p:attrNameLst>
+                                      </p:cBhvr>
+                                      <p:to>
+                                        <p:strVal val="visible"/>
+                                      </p:to>
+                                    </p:set>
+                                    <p:animEffect transition="in" filter="fade">
+                                      <p:cBhvr>
+                                        <p:cTn id="16" dur="500"/>
+                                        <p:tgtEl>
+                                          <p:spTgt spid="7"/>
+                                        </p:tgtEl>
+                                      </p:cBhvr>
+                                    </p:animEffect>
+                                  </p:childTnLst>
+                                </p:cTn>
+                              </p:par>
+                            </p:childTnLst>
+                          </p:cTn>
+                        </p:par>
+                      </p:childTnLst>
+                    </p:cTn>
+                  </p:par>
+                  <p:par>
+                    <p:cTn id="17" fill="hold">
+                      <p:stCondLst>
+                        <p:cond delay="indefinite"/>
+                      </p:stCondLst>
+                      <p:childTnLst>
+                        <p:par>
+                          <p:cTn id="18" fill="hold">
+                            <p:stCondLst>
+                              <p:cond delay="0"/>
+                            </p:stCondLst>
+                            <p:childTnLst>
+                              <p:par>
+                                <p:cTn id="19" presetID="10" presetClass="entr" presetSubtype="0" fill="hold" grpId="0" nodeType="clickEffect">
+                                  <p:stCondLst>
+                                    <p:cond delay="0"/>
+                                  </p:stCondLst>
+                                  <p:childTnLst>
+                                    <p:set>
+                                      <p:cBhvr>
+                                        <p:cTn id="20" dur="1" fill="hold">
+                                          <p:stCondLst>
+                                            <p:cond delay="0"/>
+                                          </p:stCondLst>
+                                        </p:cTn>
+                                        <p:tgtEl>
+                                          <p:spTgt spid="11"/>
+                                        </p:tgtEl>
+                                        <p:attrNameLst>
+                                          <p:attrName>style.visibility</p:attrName>
+                                        </p:attrNameLst>
+                                      </p:cBhvr>
+                                      <p:to>
+                                        <p:strVal val="visible"/>
+                                      </p:to>
+                                    </p:set>
+                                    <p:animEffect transition="in" filter="fade">
+                                      <p:cBhvr>
+                                        <p:cTn id="21" dur="500"/>
+                                        <p:tgtEl>
+                                          <p:spTgt spid="11"/>
+                                        </p:tgtEl>
+                                      </p:cBhvr>
+                                    </p:animEffect>
+                                  </p:childTnLst>
+                                </p:cTn>
+                              </p:par>
+                              <p:par>
+                                <p:cTn id="22" presetID="10" presetClass="entr" presetSubtype="0" fill="hold" grpId="0" nodeType="withEffect">
+                                  <p:stCondLst>
+                                    <p:cond delay="0"/>
+                                  </p:stCondLst>
+                                  <p:childTnLst>
+                                    <p:set>
+                                      <p:cBhvr>
+                                        <p:cTn id="23" dur="1" fill="hold">
+                                          <p:stCondLst>
+                                            <p:cond delay="0"/>
+                                          </p:stCondLst>
+                                        </p:cTn>
+                                        <p:tgtEl>
+                                          <p:spTgt spid="31"/>
+                                        </p:tgtEl>
+                                        <p:attrNameLst>
+                                          <p:attrName>style.visibility</p:attrName>
+                                        </p:attrNameLst>
+                                      </p:cBhvr>
+                                      <p:to>
+                                        <p:strVal val="visible"/>
+                                      </p:to>
+                                    </p:set>
+                                    <p:animEffect transition="in" filter="fade">
+                                      <p:cBhvr>
+                                        <p:cTn id="24" dur="500"/>
+                                        <p:tgtEl>
+                                          <p:spTgt spid="31"/>
+                                        </p:tgtEl>
+                                      </p:cBhvr>
+                                    </p:animEffect>
+                                  </p:childTnLst>
+                                </p:cTn>
+                              </p:par>
+                              <p:par>
+                                <p:cTn id="25" presetID="10" presetClass="entr" presetSubtype="0" fill="hold" nodeType="withEffect">
+                                  <p:stCondLst>
+                                    <p:cond delay="0"/>
+                                  </p:stCondLst>
+                                  <p:childTnLst>
+                                    <p:set>
+                                      <p:cBhvr>
+                                        <p:cTn id="26" dur="1" fill="hold">
+                                          <p:stCondLst>
+                                            <p:cond delay="0"/>
+                                          </p:stCondLst>
+                                        </p:cTn>
+                                        <p:tgtEl>
+                                          <p:spTgt spid="9"/>
+                                        </p:tgtEl>
+                                        <p:attrNameLst>
+                                          <p:attrName>style.visibility</p:attrName>
+                                        </p:attrNameLst>
+                                      </p:cBhvr>
+                                      <p:to>
+                                        <p:strVal val="visible"/>
+                                      </p:to>
+                                    </p:set>
+                                    <p:animEffect transition="in" filter="fade">
+                                      <p:cBhvr>
+                                        <p:cTn id="27" dur="500"/>
+                                        <p:tgtEl>
+                                          <p:spTgt spid="9"/>
+                                        </p:tgtEl>
+                                      </p:cBhvr>
+                                    </p:animEffect>
+                                  </p:childTnLst>
+                                </p:cTn>
+                              </p:par>
+                              <p:par>
+                                <p:cTn id="28" presetID="10" presetClass="entr" presetSubtype="0" fill="hold" grpId="0" nodeType="withEffect">
+                                  <p:stCondLst>
+                                    <p:cond delay="0"/>
+                                  </p:stCondLst>
+                                  <p:childTnLst>
+                                    <p:set>
+                                      <p:cBhvr>
+                                        <p:cTn id="29" dur="1" fill="hold">
+                                          <p:stCondLst>
+                                            <p:cond delay="0"/>
+                                          </p:stCondLst>
+                                        </p:cTn>
+                                        <p:tgtEl>
+                                          <p:spTgt spid="19"/>
+                                        </p:tgtEl>
+                                        <p:attrNameLst>
+                                          <p:attrName>style.visibility</p:attrName>
+                                        </p:attrNameLst>
+                                      </p:cBhvr>
+                                      <p:to>
+                                        <p:strVal val="visible"/>
+                                      </p:to>
+                                    </p:set>
+                                    <p:animEffect transition="in" filter="fade">
+                                      <p:cBhvr>
+                                        <p:cTn id="30" dur="500"/>
+                                        <p:tgtEl>
+                                          <p:spTgt spid="19"/>
+                                        </p:tgtEl>
+                                      </p:cBhvr>
+                                    </p:animEffect>
+                                  </p:childTnLst>
+                                </p:cTn>
+                              </p:par>
+                            </p:childTnLst>
+                          </p:cTn>
+                        </p:par>
+                      </p:childTnLst>
+                    </p:cTn>
+                  </p:par>
+                  <p:par>
+                    <p:cTn id="31" fill="hold">
+                      <p:stCondLst>
+                        <p:cond delay="indefinite"/>
+                      </p:stCondLst>
+                      <p:childTnLst>
+                        <p:par>
+                          <p:cTn id="32" fill="hold">
+                            <p:stCondLst>
+                              <p:cond delay="0"/>
+                            </p:stCondLst>
+                            <p:childTnLst>
+                              <p:par>
+                                <p:cTn id="33" presetID="10" presetClass="entr" presetSubtype="0" fill="hold" nodeType="clickEffect">
+                                  <p:stCondLst>
+                                    <p:cond delay="0"/>
+                                  </p:stCondLst>
+                                  <p:childTnLst>
+                                    <p:set>
+                                      <p:cBhvr>
+                                        <p:cTn id="34" dur="1" fill="hold">
+                                          <p:stCondLst>
+                                            <p:cond delay="0"/>
+                                          </p:stCondLst>
+                                        </p:cTn>
+                                        <p:tgtEl>
+                                          <p:spTgt spid="10"/>
+                                        </p:tgtEl>
+                                        <p:attrNameLst>
+                                          <p:attrName>style.visibility</p:attrName>
+                                        </p:attrNameLst>
+                                      </p:cBhvr>
+                                      <p:to>
+                                        <p:strVal val="visible"/>
+                                      </p:to>
+                                    </p:set>
+                                    <p:animEffect transition="in" filter="fade">
+                                      <p:cBhvr>
+                                        <p:cTn id="35" dur="500"/>
+                                        <p:tgtEl>
+                                          <p:spTgt spid="10"/>
+                                        </p:tgtEl>
+                                      </p:cBhvr>
+                                    </p:animEffect>
+                                  </p:childTnLst>
+                                </p:cTn>
+                              </p:par>
+                            </p:childTnLst>
+                          </p:cTn>
+                        </p:par>
+                      </p:childTnLst>
+                    </p:cTn>
+                  </p:par>
+                  <p:par>
+                    <p:cTn id="36" fill="hold">
+                      <p:stCondLst>
+                        <p:cond delay="indefinite"/>
+                      </p:stCondLst>
+                      <p:childTnLst>
+                        <p:par>
+                          <p:cTn id="37" fill="hold">
+                            <p:stCondLst>
+                              <p:cond delay="0"/>
+                            </p:stCondLst>
+                            <p:childTnLst>
+                              <p:par>
+                                <p:cTn id="38" presetID="10" presetClass="entr" presetSubtype="0" fill="hold" grpId="0" nodeType="clickEffect">
+                                  <p:stCondLst>
+                                    <p:cond delay="0"/>
+                                  </p:stCondLst>
+                                  <p:childTnLst>
+                                    <p:set>
+                                      <p:cBhvr>
+                                        <p:cTn id="39" dur="1" fill="hold">
+                                          <p:stCondLst>
+                                            <p:cond delay="0"/>
+                                          </p:stCondLst>
+                                        </p:cTn>
+                                        <p:tgtEl>
+                                          <p:spTgt spid="12"/>
+                                        </p:tgtEl>
+                                        <p:attrNameLst>
+                                          <p:attrName>style.visibility</p:attrName>
+                                        </p:attrNameLst>
+                                      </p:cBhvr>
+                                      <p:to>
+                                        <p:strVal val="visible"/>
+                                      </p:to>
+                                    </p:set>
+                                    <p:animEffect transition="in" filter="fade">
+                                      <p:cBhvr>
+                                        <p:cTn id="40" dur="500"/>
+                                        <p:tgtEl>
+                                          <p:spTgt spid="12"/>
+                                        </p:tgtEl>
+                                      </p:cBhvr>
+                                    </p:animEffect>
+                                  </p:childTnLst>
+                                </p:cTn>
+                              </p:par>
+                              <p:par>
+                                <p:cTn id="41" presetID="10" presetClass="entr" presetSubtype="0" fill="hold" grpId="0" nodeType="withEffect">
+                                  <p:stCondLst>
+                                    <p:cond delay="0"/>
+                                  </p:stCondLst>
+                                  <p:childTnLst>
+                                    <p:set>
+                                      <p:cBhvr>
+                                        <p:cTn id="42" dur="1" fill="hold">
+                                          <p:stCondLst>
+                                            <p:cond delay="0"/>
+                                          </p:stCondLst>
+                                        </p:cTn>
+                                        <p:tgtEl>
+                                          <p:spTgt spid="33"/>
+                                        </p:tgtEl>
+                                        <p:attrNameLst>
+                                          <p:attrName>style.visibility</p:attrName>
+                                        </p:attrNameLst>
+                                      </p:cBhvr>
+                                      <p:to>
+                                        <p:strVal val="visible"/>
+                                      </p:to>
+                                    </p:set>
+                                    <p:animEffect transition="in" filter="fade">
+                                      <p:cBhvr>
+                                        <p:cTn id="43" dur="500"/>
+                                        <p:tgtEl>
+                                          <p:spTgt spid="33"/>
+                                        </p:tgtEl>
+                                      </p:cBhvr>
+                                    </p:animEffect>
+                                  </p:childTnLst>
+                                </p:cTn>
+                              </p:par>
+                              <p:par>
+                                <p:cTn id="44" presetID="10" presetClass="entr" presetSubtype="0" fill="hold" nodeType="withEffect">
+                                  <p:stCondLst>
+                                    <p:cond delay="0"/>
+                                  </p:stCondLst>
+                                  <p:childTnLst>
+                                    <p:set>
+                                      <p:cBhvr>
+                                        <p:cTn id="45" dur="1" fill="hold">
+                                          <p:stCondLst>
+                                            <p:cond delay="0"/>
+                                          </p:stCondLst>
+                                        </p:cTn>
+                                        <p:tgtEl>
+                                          <p:spTgt spid="8"/>
+                                        </p:tgtEl>
+                                        <p:attrNameLst>
+                                          <p:attrName>style.visibility</p:attrName>
+                                        </p:attrNameLst>
+                                      </p:cBhvr>
+                                      <p:to>
+                                        <p:strVal val="visible"/>
+                                      </p:to>
+                                    </p:set>
+                                    <p:animEffect transition="in" filter="fade">
+                                      <p:cBhvr>
+                                        <p:cTn id="46" dur="500"/>
+                                        <p:tgtEl>
+                                          <p:spTgt spid="8"/>
+                                        </p:tgtEl>
+                                      </p:cBhvr>
+                                    </p:animEffect>
+                                  </p:childTnLst>
+                                </p:cTn>
+                              </p:par>
+                            </p:childTnLst>
+                          </p:cTn>
+                        </p:par>
+                      </p:childTnLst>
+                    </p:cTn>
+                  </p:par>
+                  <p:par>
+                    <p:cTn id="47" fill="hold">
+                      <p:stCondLst>
+                        <p:cond delay="indefinite"/>
+                      </p:stCondLst>
+                      <p:childTnLst>
+                        <p:par>
+                          <p:cTn id="48" fill="hold">
+                            <p:stCondLst>
+                              <p:cond delay="0"/>
+                            </p:stCondLst>
+                            <p:childTnLst>
+                              <p:par>
+                                <p:cTn id="49" presetID="10" presetClass="entr" presetSubtype="0" fill="hold" grpId="0" nodeType="clickEffect">
+                                  <p:stCondLst>
+                                    <p:cond delay="0"/>
+                                  </p:stCondLst>
+                                  <p:childTnLst>
+                                    <p:set>
+                                      <p:cBhvr>
+                                        <p:cTn id="50" dur="1" fill="hold">
+                                          <p:stCondLst>
+                                            <p:cond delay="0"/>
+                                          </p:stCondLst>
+                                        </p:cTn>
+                                        <p:tgtEl>
+                                          <p:spTgt spid="34"/>
+                                        </p:tgtEl>
+                                        <p:attrNameLst>
+                                          <p:attrName>style.visibility</p:attrName>
+                                        </p:attrNameLst>
+                                      </p:cBhvr>
+                                      <p:to>
+                                        <p:strVal val="visible"/>
+                                      </p:to>
+                                    </p:set>
+                                    <p:animEffect transition="in" filter="fade">
+                                      <p:cBhvr>
+                                        <p:cTn id="51" dur="500"/>
+                                        <p:tgtEl>
+                                          <p:spTgt spid="34"/>
+                                        </p:tgtEl>
+                                      </p:cBhvr>
+                                    </p:animEffect>
+                                  </p:childTnLst>
+                                </p:cTn>
+                              </p:par>
+                            </p:childTnLst>
+                          </p:cTn>
+                        </p:par>
+                      </p:childTnLst>
+                    </p:cTn>
+                  </p:par>
+                  <p:par>
+                    <p:cTn id="52" fill="hold">
+                      <p:stCondLst>
+                        <p:cond delay="indefinite"/>
+                      </p:stCondLst>
+                      <p:childTnLst>
+                        <p:par>
+                          <p:cTn id="53" fill="hold">
+                            <p:stCondLst>
+                              <p:cond delay="0"/>
+                            </p:stCondLst>
+                            <p:childTnLst>
+                              <p:par>
+                                <p:cTn id="54" presetID="10" presetClass="entr" presetSubtype="0" fill="hold" grpId="0" nodeType="clickEffect">
+                                  <p:stCondLst>
+                                    <p:cond delay="0"/>
+                                  </p:stCondLst>
+                                  <p:childTnLst>
+                                    <p:set>
+                                      <p:cBhvr>
+                                        <p:cTn id="55" dur="1" fill="hold">
+                                          <p:stCondLst>
+                                            <p:cond delay="0"/>
+                                          </p:stCondLst>
+                                        </p:cTn>
+                                        <p:tgtEl>
+                                          <p:spTgt spid="35"/>
+                                        </p:tgtEl>
+                                        <p:attrNameLst>
+                                          <p:attrName>style.visibility</p:attrName>
+                                        </p:attrNameLst>
+                                      </p:cBhvr>
+                                      <p:to>
+                                        <p:strVal val="visible"/>
+                                      </p:to>
+                                    </p:set>
+                                    <p:animEffect transition="in" filter="fade">
+                                      <p:cBhvr>
+                                        <p:cTn id="56" dur="500"/>
+                                        <p:tgtEl>
+                                          <p:spTgt spid="35"/>
+                                        </p:tgtEl>
+                                      </p:cBhvr>
+                                    </p:animEffect>
+                                  </p:childTnLst>
+                                </p:cTn>
+                              </p:par>
+                            </p:childTnLst>
+                          </p:cTn>
+                        </p:par>
+                      </p:childTnLst>
+                    </p:cTn>
+                  </p:par>
+                  <p:par>
+                    <p:cTn id="57" fill="hold">
+                      <p:stCondLst>
+                        <p:cond delay="indefinite"/>
+                      </p:stCondLst>
+                      <p:childTnLst>
+                        <p:par>
+                          <p:cTn id="58" fill="hold">
+                            <p:stCondLst>
+                              <p:cond delay="0"/>
+                            </p:stCondLst>
+                            <p:childTnLst>
+                              <p:par>
+                                <p:cTn id="59" presetID="10" presetClass="entr" presetSubtype="0" fill="hold" grpId="0" nodeType="clickEffect">
+                                  <p:stCondLst>
+                                    <p:cond delay="0"/>
+                                  </p:stCondLst>
+                                  <p:childTnLst>
+                                    <p:set>
+                                      <p:cBhvr>
+                                        <p:cTn id="60" dur="1" fill="hold">
+                                          <p:stCondLst>
+                                            <p:cond delay="0"/>
+                                          </p:stCondLst>
+                                        </p:cTn>
+                                        <p:tgtEl>
+                                          <p:spTgt spid="18"/>
+                                        </p:tgtEl>
+                                        <p:attrNameLst>
+                                          <p:attrName>style.visibility</p:attrName>
+                                        </p:attrNameLst>
+                                      </p:cBhvr>
+                                      <p:to>
+                                        <p:strVal val="visible"/>
+                                      </p:to>
+                                    </p:set>
+                                    <p:animEffect transition="in" filter="fade">
+                                      <p:cBhvr>
+                                        <p:cTn id="61" dur="500"/>
+                                        <p:tgtEl>
+                                          <p:spTgt spid="18"/>
+                                        </p:tgtEl>
+                                      </p:cBhvr>
+                                    </p:animEffect>
+                                  </p:childTnLst>
+                                </p:cTn>
+                              </p:par>
+                            </p:childTnLst>
+                          </p:cTn>
+                        </p:par>
+                      </p:childTnLst>
+                    </p:cTn>
+                  </p:par>
+                </p:childTnLst>
+              </p:cTn>
+              <p:prevCondLst>
+                <p:cond evt="onPrev" delay="0">
+                  <p:tgtEl>
+                    <p:sldTgt/>
+                  </p:tgtEl>
+                </p:cond>
+              </p:prevCondLst>
+              <p:nextCondLst>
+                <p:cond evt="onNext" delay="0">
+                  <p:tgtEl>
+                    <p:sldTgt/>
+                  </p:tgtEl>
+                </p:cond>
+              </p:nextCondLst>
+            </p:seq>
+          </p:childTnLst>
+        </p:cTn>
       </p:par>
     </p:tnLst>
+    <p:bldLst>
+      <p:bldP spid="4" grpId="0"/>
+      <p:bldP spid="30" grpId="0"/>
+      <p:bldP spid="31" grpId="0"/>
+      <p:bldP spid="33" grpId="0"/>
+      <p:bldP spid="34" grpId="0"/>
+      <p:bldP spid="7" grpId="0" animBg="1"/>
+      <p:bldP spid="11" grpId="0" animBg="1"/>
+      <p:bldP spid="12" grpId="0" animBg="1"/>
+      <p:bldP spid="35" grpId="0"/>
+      <p:bldP spid="18" grpId="0"/>
+      <p:bldP spid="19" grpId="0"/>
+    </p:bldLst>
   </p:timing>
 </p:sld>
 </file>
@@ -8159,6 +8820,304 @@
   <p:clrMapOvr>
     <a:masterClrMapping/>
   </p:clrMapOvr>
+  <p:timing>
+    <p:tnLst>
+      <p:par>
+        <p:cTn id="1" dur="indefinite" restart="never" nodeType="tmRoot">
+          <p:childTnLst>
+            <p:seq concurrent="1" nextAc="seek">
+              <p:cTn id="2" dur="indefinite" nodeType="mainSeq">
+                <p:childTnLst>
+                  <p:par>
+                    <p:cTn id="3" fill="hold">
+                      <p:stCondLst>
+                        <p:cond delay="indefinite"/>
+                      </p:stCondLst>
+                      <p:childTnLst>
+                        <p:par>
+                          <p:cTn id="4" fill="hold">
+                            <p:stCondLst>
+                              <p:cond delay="0"/>
+                            </p:stCondLst>
+                            <p:childTnLst>
+                              <p:par>
+                                <p:cTn id="5" presetID="10" presetClass="entr" presetSubtype="0" fill="hold" nodeType="clickEffect">
+                                  <p:stCondLst>
+                                    <p:cond delay="0"/>
+                                  </p:stCondLst>
+                                  <p:childTnLst>
+                                    <p:set>
+                                      <p:cBhvr>
+                                        <p:cTn id="6" dur="1" fill="hold">
+                                          <p:stCondLst>
+                                            <p:cond delay="0"/>
+                                          </p:stCondLst>
+                                        </p:cTn>
+                                        <p:tgtEl>
+                                          <p:spTgt spid="10"/>
+                                        </p:tgtEl>
+                                        <p:attrNameLst>
+                                          <p:attrName>style.visibility</p:attrName>
+                                        </p:attrNameLst>
+                                      </p:cBhvr>
+                                      <p:to>
+                                        <p:strVal val="visible"/>
+                                      </p:to>
+                                    </p:set>
+                                    <p:animEffect transition="in" filter="fade">
+                                      <p:cBhvr>
+                                        <p:cTn id="7" dur="500"/>
+                                        <p:tgtEl>
+                                          <p:spTgt spid="10"/>
+                                        </p:tgtEl>
+                                      </p:cBhvr>
+                                    </p:animEffect>
+                                  </p:childTnLst>
+                                </p:cTn>
+                              </p:par>
+                            </p:childTnLst>
+                          </p:cTn>
+                        </p:par>
+                      </p:childTnLst>
+                    </p:cTn>
+                  </p:par>
+                  <p:par>
+                    <p:cTn id="8" fill="hold">
+                      <p:stCondLst>
+                        <p:cond delay="indefinite"/>
+                      </p:stCondLst>
+                      <p:childTnLst>
+                        <p:par>
+                          <p:cTn id="9" fill="hold">
+                            <p:stCondLst>
+                              <p:cond delay="0"/>
+                            </p:stCondLst>
+                            <p:childTnLst>
+                              <p:par>
+                                <p:cTn id="10" presetID="10" presetClass="entr" presetSubtype="0" fill="hold" nodeType="clickEffect">
+                                  <p:stCondLst>
+                                    <p:cond delay="0"/>
+                                  </p:stCondLst>
+                                  <p:childTnLst>
+                                    <p:set>
+                                      <p:cBhvr>
+                                        <p:cTn id="11" dur="1" fill="hold">
+                                          <p:stCondLst>
+                                            <p:cond delay="0"/>
+                                          </p:stCondLst>
+                                        </p:cTn>
+                                        <p:tgtEl>
+                                          <p:spTgt spid="11"/>
+                                        </p:tgtEl>
+                                        <p:attrNameLst>
+                                          <p:attrName>style.visibility</p:attrName>
+                                        </p:attrNameLst>
+                                      </p:cBhvr>
+                                      <p:to>
+                                        <p:strVal val="visible"/>
+                                      </p:to>
+                                    </p:set>
+                                    <p:animEffect transition="in" filter="fade">
+                                      <p:cBhvr>
+                                        <p:cTn id="12" dur="500"/>
+                                        <p:tgtEl>
+                                          <p:spTgt spid="11"/>
+                                        </p:tgtEl>
+                                      </p:cBhvr>
+                                    </p:animEffect>
+                                  </p:childTnLst>
+                                </p:cTn>
+                              </p:par>
+                            </p:childTnLst>
+                          </p:cTn>
+                        </p:par>
+                      </p:childTnLst>
+                    </p:cTn>
+                  </p:par>
+                  <p:par>
+                    <p:cTn id="13" fill="hold">
+                      <p:stCondLst>
+                        <p:cond delay="indefinite"/>
+                      </p:stCondLst>
+                      <p:childTnLst>
+                        <p:par>
+                          <p:cTn id="14" fill="hold">
+                            <p:stCondLst>
+                              <p:cond delay="0"/>
+                            </p:stCondLst>
+                            <p:childTnLst>
+                              <p:par>
+                                <p:cTn id="15" presetID="10" presetClass="entr" presetSubtype="0" fill="hold" nodeType="clickEffect">
+                                  <p:stCondLst>
+                                    <p:cond delay="0"/>
+                                  </p:stCondLst>
+                                  <p:childTnLst>
+                                    <p:set>
+                                      <p:cBhvr>
+                                        <p:cTn id="16" dur="1" fill="hold">
+                                          <p:stCondLst>
+                                            <p:cond delay="0"/>
+                                          </p:stCondLst>
+                                        </p:cTn>
+                                        <p:tgtEl>
+                                          <p:spTgt spid="12"/>
+                                        </p:tgtEl>
+                                        <p:attrNameLst>
+                                          <p:attrName>style.visibility</p:attrName>
+                                        </p:attrNameLst>
+                                      </p:cBhvr>
+                                      <p:to>
+                                        <p:strVal val="visible"/>
+                                      </p:to>
+                                    </p:set>
+                                    <p:animEffect transition="in" filter="fade">
+                                      <p:cBhvr>
+                                        <p:cTn id="17" dur="500"/>
+                                        <p:tgtEl>
+                                          <p:spTgt spid="12"/>
+                                        </p:tgtEl>
+                                      </p:cBhvr>
+                                    </p:animEffect>
+                                  </p:childTnLst>
+                                </p:cTn>
+                              </p:par>
+                            </p:childTnLst>
+                          </p:cTn>
+                        </p:par>
+                      </p:childTnLst>
+                    </p:cTn>
+                  </p:par>
+                  <p:par>
+                    <p:cTn id="18" fill="hold">
+                      <p:stCondLst>
+                        <p:cond delay="indefinite"/>
+                      </p:stCondLst>
+                      <p:childTnLst>
+                        <p:par>
+                          <p:cTn id="19" fill="hold">
+                            <p:stCondLst>
+                              <p:cond delay="0"/>
+                            </p:stCondLst>
+                            <p:childTnLst>
+                              <p:par>
+                                <p:cTn id="20" presetID="10" presetClass="entr" presetSubtype="0" fill="hold" nodeType="clickEffect">
+                                  <p:stCondLst>
+                                    <p:cond delay="0"/>
+                                  </p:stCondLst>
+                                  <p:childTnLst>
+                                    <p:set>
+                                      <p:cBhvr>
+                                        <p:cTn id="21" dur="1" fill="hold">
+                                          <p:stCondLst>
+                                            <p:cond delay="0"/>
+                                          </p:stCondLst>
+                                        </p:cTn>
+                                        <p:tgtEl>
+                                          <p:spTgt spid="14"/>
+                                        </p:tgtEl>
+                                        <p:attrNameLst>
+                                          <p:attrName>style.visibility</p:attrName>
+                                        </p:attrNameLst>
+                                      </p:cBhvr>
+                                      <p:to>
+                                        <p:strVal val="visible"/>
+                                      </p:to>
+                                    </p:set>
+                                    <p:animEffect transition="in" filter="fade">
+                                      <p:cBhvr>
+                                        <p:cTn id="22" dur="500"/>
+                                        <p:tgtEl>
+                                          <p:spTgt spid="14"/>
+                                        </p:tgtEl>
+                                      </p:cBhvr>
+                                    </p:animEffect>
+                                  </p:childTnLst>
+                                </p:cTn>
+                              </p:par>
+                            </p:childTnLst>
+                          </p:cTn>
+                        </p:par>
+                      </p:childTnLst>
+                    </p:cTn>
+                  </p:par>
+                  <p:par>
+                    <p:cTn id="23" fill="hold">
+                      <p:stCondLst>
+                        <p:cond delay="indefinite"/>
+                      </p:stCondLst>
+                      <p:childTnLst>
+                        <p:par>
+                          <p:cTn id="24" fill="hold">
+                            <p:stCondLst>
+                              <p:cond delay="0"/>
+                            </p:stCondLst>
+                            <p:childTnLst>
+                              <p:par>
+                                <p:cTn id="25" presetID="10" presetClass="entr" presetSubtype="0" fill="hold" grpId="0" nodeType="clickEffect">
+                                  <p:stCondLst>
+                                    <p:cond delay="0"/>
+                                  </p:stCondLst>
+                                  <p:childTnLst>
+                                    <p:set>
+                                      <p:cBhvr>
+                                        <p:cTn id="26" dur="1" fill="hold">
+                                          <p:stCondLst>
+                                            <p:cond delay="0"/>
+                                          </p:stCondLst>
+                                        </p:cTn>
+                                        <p:tgtEl>
+                                          <p:spTgt spid="15"/>
+                                        </p:tgtEl>
+                                        <p:attrNameLst>
+                                          <p:attrName>style.visibility</p:attrName>
+                                        </p:attrNameLst>
+                                      </p:cBhvr>
+                                      <p:to>
+                                        <p:strVal val="visible"/>
+                                      </p:to>
+                                    </p:set>
+                                    <p:animEffect transition="in" filter="fade">
+                                      <p:cBhvr>
+                                        <p:cTn id="27" dur="500"/>
+                                        <p:tgtEl>
+                                          <p:spTgt spid="15"/>
+                                        </p:tgtEl>
+                                      </p:cBhvr>
+                                    </p:animEffect>
+                                  </p:childTnLst>
+                                </p:cTn>
+                              </p:par>
+                            </p:childTnLst>
+                          </p:cTn>
+                        </p:par>
+                      </p:childTnLst>
+                    </p:cTn>
+                  </p:par>
+                </p:childTnLst>
+              </p:cTn>
+              <p:prevCondLst>
+                <p:cond evt="onPrev" delay="0">
+                  <p:tgtEl>
+                    <p:sldTgt/>
+                  </p:tgtEl>
+                </p:cond>
+              </p:prevCondLst>
+              <p:nextCondLst>
+                <p:cond evt="onNext" delay="0">
+                  <p:tgtEl>
+                    <p:sldTgt/>
+                  </p:tgtEl>
+                </p:cond>
+              </p:nextCondLst>
+            </p:seq>
+          </p:childTnLst>
+        </p:cTn>
+      </p:par>
+    </p:tnLst>
+    <p:bldLst>
+      <p:bldP spid="15" grpId="0"/>
+    </p:bldLst>
+  </p:timing>
 </p:sld>
 </file>
 
@@ -11981,6 +12940,380 @@
   <p:clrMapOvr>
     <a:masterClrMapping/>
   </p:clrMapOvr>
+  <p:timing>
+    <p:tnLst>
+      <p:par>
+        <p:cTn id="1" dur="indefinite" restart="never" nodeType="tmRoot">
+          <p:childTnLst>
+            <p:seq concurrent="1" nextAc="seek">
+              <p:cTn id="2" dur="indefinite" nodeType="mainSeq">
+                <p:childTnLst>
+                  <p:par>
+                    <p:cTn id="3" fill="hold">
+                      <p:stCondLst>
+                        <p:cond delay="indefinite"/>
+                      </p:stCondLst>
+                      <p:childTnLst>
+                        <p:par>
+                          <p:cTn id="4" fill="hold">
+                            <p:stCondLst>
+                              <p:cond delay="0"/>
+                            </p:stCondLst>
+                            <p:childTnLst>
+                              <p:par>
+                                <p:cTn id="5" presetID="10" presetClass="entr" presetSubtype="0" fill="hold" grpId="0" nodeType="clickEffect">
+                                  <p:stCondLst>
+                                    <p:cond delay="0"/>
+                                  </p:stCondLst>
+                                  <p:childTnLst>
+                                    <p:set>
+                                      <p:cBhvr>
+                                        <p:cTn id="6" dur="1" fill="hold">
+                                          <p:stCondLst>
+                                            <p:cond delay="0"/>
+                                          </p:stCondLst>
+                                        </p:cTn>
+                                        <p:tgtEl>
+                                          <p:spTgt spid="18"/>
+                                        </p:tgtEl>
+                                        <p:attrNameLst>
+                                          <p:attrName>style.visibility</p:attrName>
+                                        </p:attrNameLst>
+                                      </p:cBhvr>
+                                      <p:to>
+                                        <p:strVal val="visible"/>
+                                      </p:to>
+                                    </p:set>
+                                    <p:animEffect transition="in" filter="fade">
+                                      <p:cBhvr>
+                                        <p:cTn id="7" dur="500"/>
+                                        <p:tgtEl>
+                                          <p:spTgt spid="18"/>
+                                        </p:tgtEl>
+                                      </p:cBhvr>
+                                    </p:animEffect>
+                                  </p:childTnLst>
+                                </p:cTn>
+                              </p:par>
+                              <p:par>
+                                <p:cTn id="8" presetID="10" presetClass="entr" presetSubtype="0" fill="hold" grpId="0" nodeType="withEffect">
+                                  <p:stCondLst>
+                                    <p:cond delay="0"/>
+                                  </p:stCondLst>
+                                  <p:childTnLst>
+                                    <p:set>
+                                      <p:cBhvr>
+                                        <p:cTn id="9" dur="1" fill="hold">
+                                          <p:stCondLst>
+                                            <p:cond delay="0"/>
+                                          </p:stCondLst>
+                                        </p:cTn>
+                                        <p:tgtEl>
+                                          <p:spTgt spid="17"/>
+                                        </p:tgtEl>
+                                        <p:attrNameLst>
+                                          <p:attrName>style.visibility</p:attrName>
+                                        </p:attrNameLst>
+                                      </p:cBhvr>
+                                      <p:to>
+                                        <p:strVal val="visible"/>
+                                      </p:to>
+                                    </p:set>
+                                    <p:animEffect transition="in" filter="fade">
+                                      <p:cBhvr>
+                                        <p:cTn id="10" dur="500"/>
+                                        <p:tgtEl>
+                                          <p:spTgt spid="17"/>
+                                        </p:tgtEl>
+                                      </p:cBhvr>
+                                    </p:animEffect>
+                                  </p:childTnLst>
+                                </p:cTn>
+                              </p:par>
+                            </p:childTnLst>
+                          </p:cTn>
+                        </p:par>
+                      </p:childTnLst>
+                    </p:cTn>
+                  </p:par>
+                  <p:par>
+                    <p:cTn id="11" fill="hold">
+                      <p:stCondLst>
+                        <p:cond delay="indefinite"/>
+                      </p:stCondLst>
+                      <p:childTnLst>
+                        <p:par>
+                          <p:cTn id="12" fill="hold">
+                            <p:stCondLst>
+                              <p:cond delay="0"/>
+                            </p:stCondLst>
+                            <p:childTnLst>
+                              <p:par>
+                                <p:cTn id="13" presetID="10" presetClass="entr" presetSubtype="0" fill="hold" grpId="0" nodeType="clickEffect">
+                                  <p:stCondLst>
+                                    <p:cond delay="0"/>
+                                  </p:stCondLst>
+                                  <p:childTnLst>
+                                    <p:set>
+                                      <p:cBhvr>
+                                        <p:cTn id="14" dur="1" fill="hold">
+                                          <p:stCondLst>
+                                            <p:cond delay="0"/>
+                                          </p:stCondLst>
+                                        </p:cTn>
+                                        <p:tgtEl>
+                                          <p:spTgt spid="19"/>
+                                        </p:tgtEl>
+                                        <p:attrNameLst>
+                                          <p:attrName>style.visibility</p:attrName>
+                                        </p:attrNameLst>
+                                      </p:cBhvr>
+                                      <p:to>
+                                        <p:strVal val="visible"/>
+                                      </p:to>
+                                    </p:set>
+                                    <p:animEffect transition="in" filter="fade">
+                                      <p:cBhvr>
+                                        <p:cTn id="15" dur="500"/>
+                                        <p:tgtEl>
+                                          <p:spTgt spid="19"/>
+                                        </p:tgtEl>
+                                      </p:cBhvr>
+                                    </p:animEffect>
+                                  </p:childTnLst>
+                                </p:cTn>
+                              </p:par>
+                              <p:par>
+                                <p:cTn id="16" presetID="10" presetClass="entr" presetSubtype="0" fill="hold" grpId="0" nodeType="withEffect">
+                                  <p:stCondLst>
+                                    <p:cond delay="0"/>
+                                  </p:stCondLst>
+                                  <p:childTnLst>
+                                    <p:set>
+                                      <p:cBhvr>
+                                        <p:cTn id="17" dur="1" fill="hold">
+                                          <p:stCondLst>
+                                            <p:cond delay="0"/>
+                                          </p:stCondLst>
+                                        </p:cTn>
+                                        <p:tgtEl>
+                                          <p:spTgt spid="20"/>
+                                        </p:tgtEl>
+                                        <p:attrNameLst>
+                                          <p:attrName>style.visibility</p:attrName>
+                                        </p:attrNameLst>
+                                      </p:cBhvr>
+                                      <p:to>
+                                        <p:strVal val="visible"/>
+                                      </p:to>
+                                    </p:set>
+                                    <p:animEffect transition="in" filter="fade">
+                                      <p:cBhvr>
+                                        <p:cTn id="18" dur="500"/>
+                                        <p:tgtEl>
+                                          <p:spTgt spid="20"/>
+                                        </p:tgtEl>
+                                      </p:cBhvr>
+                                    </p:animEffect>
+                                  </p:childTnLst>
+                                </p:cTn>
+                              </p:par>
+                              <p:par>
+                                <p:cTn id="19" presetID="10" presetClass="entr" presetSubtype="0" fill="hold" grpId="0" nodeType="withEffect">
+                                  <p:stCondLst>
+                                    <p:cond delay="0"/>
+                                  </p:stCondLst>
+                                  <p:childTnLst>
+                                    <p:set>
+                                      <p:cBhvr>
+                                        <p:cTn id="20" dur="1" fill="hold">
+                                          <p:stCondLst>
+                                            <p:cond delay="0"/>
+                                          </p:stCondLst>
+                                        </p:cTn>
+                                        <p:tgtEl>
+                                          <p:spTgt spid="21"/>
+                                        </p:tgtEl>
+                                        <p:attrNameLst>
+                                          <p:attrName>style.visibility</p:attrName>
+                                        </p:attrNameLst>
+                                      </p:cBhvr>
+                                      <p:to>
+                                        <p:strVal val="visible"/>
+                                      </p:to>
+                                    </p:set>
+                                    <p:animEffect transition="in" filter="fade">
+                                      <p:cBhvr>
+                                        <p:cTn id="21" dur="500"/>
+                                        <p:tgtEl>
+                                          <p:spTgt spid="21"/>
+                                        </p:tgtEl>
+                                      </p:cBhvr>
+                                    </p:animEffect>
+                                  </p:childTnLst>
+                                </p:cTn>
+                              </p:par>
+                              <p:par>
+                                <p:cTn id="22" presetID="10" presetClass="entr" presetSubtype="0" fill="hold" grpId="0" nodeType="withEffect">
+                                  <p:stCondLst>
+                                    <p:cond delay="0"/>
+                                  </p:stCondLst>
+                                  <p:childTnLst>
+                                    <p:set>
+                                      <p:cBhvr>
+                                        <p:cTn id="23" dur="1" fill="hold">
+                                          <p:stCondLst>
+                                            <p:cond delay="0"/>
+                                          </p:stCondLst>
+                                        </p:cTn>
+                                        <p:tgtEl>
+                                          <p:spTgt spid="49"/>
+                                        </p:tgtEl>
+                                        <p:attrNameLst>
+                                          <p:attrName>style.visibility</p:attrName>
+                                        </p:attrNameLst>
+                                      </p:cBhvr>
+                                      <p:to>
+                                        <p:strVal val="visible"/>
+                                      </p:to>
+                                    </p:set>
+                                    <p:animEffect transition="in" filter="fade">
+                                      <p:cBhvr>
+                                        <p:cTn id="24" dur="500"/>
+                                        <p:tgtEl>
+                                          <p:spTgt spid="49"/>
+                                        </p:tgtEl>
+                                      </p:cBhvr>
+                                    </p:animEffect>
+                                  </p:childTnLst>
+                                </p:cTn>
+                              </p:par>
+                              <p:par>
+                                <p:cTn id="25" presetID="10" presetClass="entr" presetSubtype="0" fill="hold" grpId="0" nodeType="withEffect">
+                                  <p:stCondLst>
+                                    <p:cond delay="0"/>
+                                  </p:stCondLst>
+                                  <p:childTnLst>
+                                    <p:set>
+                                      <p:cBhvr>
+                                        <p:cTn id="26" dur="1" fill="hold">
+                                          <p:stCondLst>
+                                            <p:cond delay="0"/>
+                                          </p:stCondLst>
+                                        </p:cTn>
+                                        <p:tgtEl>
+                                          <p:spTgt spid="22"/>
+                                        </p:tgtEl>
+                                        <p:attrNameLst>
+                                          <p:attrName>style.visibility</p:attrName>
+                                        </p:attrNameLst>
+                                      </p:cBhvr>
+                                      <p:to>
+                                        <p:strVal val="visible"/>
+                                      </p:to>
+                                    </p:set>
+                                    <p:animEffect transition="in" filter="fade">
+                                      <p:cBhvr>
+                                        <p:cTn id="27" dur="500"/>
+                                        <p:tgtEl>
+                                          <p:spTgt spid="22"/>
+                                        </p:tgtEl>
+                                      </p:cBhvr>
+                                    </p:animEffect>
+                                  </p:childTnLst>
+                                </p:cTn>
+                              </p:par>
+                            </p:childTnLst>
+                          </p:cTn>
+                        </p:par>
+                      </p:childTnLst>
+                    </p:cTn>
+                  </p:par>
+                  <p:par>
+                    <p:cTn id="28" fill="hold">
+                      <p:stCondLst>
+                        <p:cond delay="indefinite"/>
+                      </p:stCondLst>
+                      <p:childTnLst>
+                        <p:par>
+                          <p:cTn id="29" fill="hold">
+                            <p:stCondLst>
+                              <p:cond delay="0"/>
+                            </p:stCondLst>
+                            <p:childTnLst>
+                              <p:par>
+                                <p:cTn id="30" presetID="10" presetClass="entr" presetSubtype="0" fill="hold" grpId="0" nodeType="clickEffect">
+                                  <p:stCondLst>
+                                    <p:cond delay="0"/>
+                                  </p:stCondLst>
+                                  <p:childTnLst>
+                                    <p:set>
+                                      <p:cBhvr>
+                                        <p:cTn id="31" dur="1" fill="hold">
+                                          <p:stCondLst>
+                                            <p:cond delay="0"/>
+                                          </p:stCondLst>
+                                        </p:cTn>
+                                        <p:tgtEl>
+                                          <p:spTgt spid="23"/>
+                                        </p:tgtEl>
+                                        <p:attrNameLst>
+                                          <p:attrName>style.visibility</p:attrName>
+                                        </p:attrNameLst>
+                                      </p:cBhvr>
+                                      <p:to>
+                                        <p:strVal val="visible"/>
+                                      </p:to>
+                                    </p:set>
+                                    <p:animEffect transition="in" filter="fade">
+                                      <p:cBhvr>
+                                        <p:cTn id="32" dur="500"/>
+                                        <p:tgtEl>
+                                          <p:spTgt spid="23"/>
+                                        </p:tgtEl>
+                                      </p:cBhvr>
+                                    </p:animEffect>
+                                  </p:childTnLst>
+                                </p:cTn>
+                              </p:par>
+                            </p:childTnLst>
+                          </p:cTn>
+                        </p:par>
+                      </p:childTnLst>
+                    </p:cTn>
+                  </p:par>
+                </p:childTnLst>
+              </p:cTn>
+              <p:prevCondLst>
+                <p:cond evt="onPrev" delay="0">
+                  <p:tgtEl>
+                    <p:sldTgt/>
+                  </p:tgtEl>
+                </p:cond>
+              </p:prevCondLst>
+              <p:nextCondLst>
+                <p:cond evt="onNext" delay="0">
+                  <p:tgtEl>
+                    <p:sldTgt/>
+                  </p:tgtEl>
+                </p:cond>
+              </p:nextCondLst>
+            </p:seq>
+          </p:childTnLst>
+        </p:cTn>
+      </p:par>
+    </p:tnLst>
+    <p:bldLst>
+      <p:bldP spid="17" grpId="0"/>
+      <p:bldP spid="18" grpId="0" animBg="1"/>
+      <p:bldP spid="19" grpId="0"/>
+      <p:bldP spid="49" grpId="0"/>
+      <p:bldP spid="20" grpId="0" animBg="1"/>
+      <p:bldP spid="21" grpId="0"/>
+      <p:bldP spid="22" grpId="0" animBg="1"/>
+      <p:bldP spid="23" grpId="0" animBg="1"/>
+    </p:bldLst>
+  </p:timing>
 </p:sld>
 </file>
 
@@ -14542,6 +15875,200 @@
   <p:clrMapOvr>
     <a:masterClrMapping/>
   </p:clrMapOvr>
+  <p:timing>
+    <p:tnLst>
+      <p:par>
+        <p:cTn id="1" dur="indefinite" restart="never" nodeType="tmRoot">
+          <p:childTnLst>
+            <p:seq concurrent="1" nextAc="seek">
+              <p:cTn id="2" dur="indefinite" nodeType="mainSeq">
+                <p:childTnLst>
+                  <p:par>
+                    <p:cTn id="3" fill="hold">
+                      <p:stCondLst>
+                        <p:cond delay="indefinite"/>
+                      </p:stCondLst>
+                      <p:childTnLst>
+                        <p:par>
+                          <p:cTn id="4" fill="hold">
+                            <p:stCondLst>
+                              <p:cond delay="0"/>
+                            </p:stCondLst>
+                            <p:childTnLst>
+                              <p:par>
+                                <p:cTn id="5" presetID="10" presetClass="entr" presetSubtype="0" fill="hold" grpId="0" nodeType="clickEffect">
+                                  <p:stCondLst>
+                                    <p:cond delay="0"/>
+                                  </p:stCondLst>
+                                  <p:childTnLst>
+                                    <p:set>
+                                      <p:cBhvr>
+                                        <p:cTn id="6" dur="1" fill="hold">
+                                          <p:stCondLst>
+                                            <p:cond delay="0"/>
+                                          </p:stCondLst>
+                                        </p:cTn>
+                                        <p:tgtEl>
+                                          <p:spTgt spid="26"/>
+                                        </p:tgtEl>
+                                        <p:attrNameLst>
+                                          <p:attrName>style.visibility</p:attrName>
+                                        </p:attrNameLst>
+                                      </p:cBhvr>
+                                      <p:to>
+                                        <p:strVal val="visible"/>
+                                      </p:to>
+                                    </p:set>
+                                    <p:animEffect transition="in" filter="fade">
+                                      <p:cBhvr>
+                                        <p:cTn id="7" dur="500"/>
+                                        <p:tgtEl>
+                                          <p:spTgt spid="26"/>
+                                        </p:tgtEl>
+                                      </p:cBhvr>
+                                    </p:animEffect>
+                                  </p:childTnLst>
+                                </p:cTn>
+                              </p:par>
+                              <p:par>
+                                <p:cTn id="8" presetID="10" presetClass="entr" presetSubtype="0" fill="hold" grpId="0" nodeType="withEffect">
+                                  <p:stCondLst>
+                                    <p:cond delay="0"/>
+                                  </p:stCondLst>
+                                  <p:childTnLst>
+                                    <p:set>
+                                      <p:cBhvr>
+                                        <p:cTn id="9" dur="1" fill="hold">
+                                          <p:stCondLst>
+                                            <p:cond delay="0"/>
+                                          </p:stCondLst>
+                                        </p:cTn>
+                                        <p:tgtEl>
+                                          <p:spTgt spid="5"/>
+                                        </p:tgtEl>
+                                        <p:attrNameLst>
+                                          <p:attrName>style.visibility</p:attrName>
+                                        </p:attrNameLst>
+                                      </p:cBhvr>
+                                      <p:to>
+                                        <p:strVal val="visible"/>
+                                      </p:to>
+                                    </p:set>
+                                    <p:animEffect transition="in" filter="fade">
+                                      <p:cBhvr>
+                                        <p:cTn id="10" dur="500"/>
+                                        <p:tgtEl>
+                                          <p:spTgt spid="5"/>
+                                        </p:tgtEl>
+                                      </p:cBhvr>
+                                    </p:animEffect>
+                                  </p:childTnLst>
+                                </p:cTn>
+                              </p:par>
+                              <p:par>
+                                <p:cTn id="11" presetID="10" presetClass="entr" presetSubtype="0" fill="hold" grpId="0" nodeType="withEffect">
+                                  <p:stCondLst>
+                                    <p:cond delay="0"/>
+                                  </p:stCondLst>
+                                  <p:childTnLst>
+                                    <p:set>
+                                      <p:cBhvr>
+                                        <p:cTn id="12" dur="1" fill="hold">
+                                          <p:stCondLst>
+                                            <p:cond delay="0"/>
+                                          </p:stCondLst>
+                                        </p:cTn>
+                                        <p:tgtEl>
+                                          <p:spTgt spid="27"/>
+                                        </p:tgtEl>
+                                        <p:attrNameLst>
+                                          <p:attrName>style.visibility</p:attrName>
+                                        </p:attrNameLst>
+                                      </p:cBhvr>
+                                      <p:to>
+                                        <p:strVal val="visible"/>
+                                      </p:to>
+                                    </p:set>
+                                    <p:animEffect transition="in" filter="fade">
+                                      <p:cBhvr>
+                                        <p:cTn id="13" dur="500"/>
+                                        <p:tgtEl>
+                                          <p:spTgt spid="27"/>
+                                        </p:tgtEl>
+                                      </p:cBhvr>
+                                    </p:animEffect>
+                                  </p:childTnLst>
+                                </p:cTn>
+                              </p:par>
+                              <p:par>
+                                <p:cTn id="14" presetID="10" presetClass="entr" presetSubtype="0" fill="hold" grpId="0" nodeType="withEffect">
+                                  <p:stCondLst>
+                                    <p:cond delay="0"/>
+                                  </p:stCondLst>
+                                  <p:childTnLst>
+                                    <p:set>
+                                      <p:cBhvr>
+                                        <p:cTn id="15" dur="1" fill="hold">
+                                          <p:stCondLst>
+                                            <p:cond delay="0"/>
+                                          </p:stCondLst>
+                                        </p:cTn>
+                                        <p:tgtEl>
+                                          <p:spTgt spid="28"/>
+                                        </p:tgtEl>
+                                        <p:attrNameLst>
+                                          <p:attrName>style.visibility</p:attrName>
+                                        </p:attrNameLst>
+                                      </p:cBhvr>
+                                      <p:to>
+                                        <p:strVal val="visible"/>
+                                      </p:to>
+                                    </p:set>
+                                    <p:animEffect transition="in" filter="fade">
+                                      <p:cBhvr>
+                                        <p:cTn id="16" dur="500"/>
+                                        <p:tgtEl>
+                                          <p:spTgt spid="28"/>
+                                        </p:tgtEl>
+                                      </p:cBhvr>
+                                    </p:animEffect>
+                                  </p:childTnLst>
+                                </p:cTn>
+                              </p:par>
+                            </p:childTnLst>
+                          </p:cTn>
+                        </p:par>
+                      </p:childTnLst>
+                    </p:cTn>
+                  </p:par>
+                </p:childTnLst>
+              </p:cTn>
+              <p:prevCondLst>
+                <p:cond evt="onPrev" delay="0">
+                  <p:tgtEl>
+                    <p:sldTgt/>
+                  </p:tgtEl>
+                </p:cond>
+              </p:prevCondLst>
+              <p:nextCondLst>
+                <p:cond evt="onNext" delay="0">
+                  <p:tgtEl>
+                    <p:sldTgt/>
+                  </p:tgtEl>
+                </p:cond>
+              </p:nextCondLst>
+            </p:seq>
+          </p:childTnLst>
+        </p:cTn>
+      </p:par>
+    </p:tnLst>
+    <p:bldLst>
+      <p:bldP spid="26" grpId="0"/>
+      <p:bldP spid="27" grpId="0"/>
+      <p:bldP spid="5" grpId="0" animBg="1"/>
+      <p:bldP spid="28" grpId="0"/>
+    </p:bldLst>
+  </p:timing>
 </p:sld>
 </file>
 
@@ -16145,6 +17672,288 @@
   <p:clrMapOvr>
     <a:masterClrMapping/>
   </p:clrMapOvr>
+  <p:timing>
+    <p:tnLst>
+      <p:par>
+        <p:cTn id="1" dur="indefinite" restart="never" nodeType="tmRoot">
+          <p:childTnLst>
+            <p:seq concurrent="1" nextAc="seek">
+              <p:cTn id="2" dur="indefinite" nodeType="mainSeq">
+                <p:childTnLst>
+                  <p:par>
+                    <p:cTn id="3" fill="hold">
+                      <p:stCondLst>
+                        <p:cond delay="indefinite"/>
+                      </p:stCondLst>
+                      <p:childTnLst>
+                        <p:par>
+                          <p:cTn id="4" fill="hold">
+                            <p:stCondLst>
+                              <p:cond delay="0"/>
+                            </p:stCondLst>
+                            <p:childTnLst>
+                              <p:par>
+                                <p:cTn id="5" presetID="10" presetClass="entr" presetSubtype="0" fill="hold" grpId="0" nodeType="clickEffect">
+                                  <p:stCondLst>
+                                    <p:cond delay="0"/>
+                                  </p:stCondLst>
+                                  <p:childTnLst>
+                                    <p:set>
+                                      <p:cBhvr>
+                                        <p:cTn id="6" dur="1" fill="hold">
+                                          <p:stCondLst>
+                                            <p:cond delay="0"/>
+                                          </p:stCondLst>
+                                        </p:cTn>
+                                        <p:tgtEl>
+                                          <p:spTgt spid="7"/>
+                                        </p:tgtEl>
+                                        <p:attrNameLst>
+                                          <p:attrName>style.visibility</p:attrName>
+                                        </p:attrNameLst>
+                                      </p:cBhvr>
+                                      <p:to>
+                                        <p:strVal val="visible"/>
+                                      </p:to>
+                                    </p:set>
+                                    <p:animEffect transition="in" filter="fade">
+                                      <p:cBhvr>
+                                        <p:cTn id="7" dur="500"/>
+                                        <p:tgtEl>
+                                          <p:spTgt spid="7"/>
+                                        </p:tgtEl>
+                                      </p:cBhvr>
+                                    </p:animEffect>
+                                  </p:childTnLst>
+                                </p:cTn>
+                              </p:par>
+                            </p:childTnLst>
+                          </p:cTn>
+                        </p:par>
+                      </p:childTnLst>
+                    </p:cTn>
+                  </p:par>
+                  <p:par>
+                    <p:cTn id="8" fill="hold">
+                      <p:stCondLst>
+                        <p:cond delay="indefinite"/>
+                      </p:stCondLst>
+                      <p:childTnLst>
+                        <p:par>
+                          <p:cTn id="9" fill="hold">
+                            <p:stCondLst>
+                              <p:cond delay="0"/>
+                            </p:stCondLst>
+                            <p:childTnLst>
+                              <p:par>
+                                <p:cTn id="10" presetID="10" presetClass="entr" presetSubtype="0" fill="hold" grpId="0" nodeType="clickEffect">
+                                  <p:stCondLst>
+                                    <p:cond delay="0"/>
+                                  </p:stCondLst>
+                                  <p:childTnLst>
+                                    <p:set>
+                                      <p:cBhvr>
+                                        <p:cTn id="11" dur="1" fill="hold">
+                                          <p:stCondLst>
+                                            <p:cond delay="0"/>
+                                          </p:stCondLst>
+                                        </p:cTn>
+                                        <p:tgtEl>
+                                          <p:spTgt spid="8"/>
+                                        </p:tgtEl>
+                                        <p:attrNameLst>
+                                          <p:attrName>style.visibility</p:attrName>
+                                        </p:attrNameLst>
+                                      </p:cBhvr>
+                                      <p:to>
+                                        <p:strVal val="visible"/>
+                                      </p:to>
+                                    </p:set>
+                                    <p:animEffect transition="in" filter="fade">
+                                      <p:cBhvr>
+                                        <p:cTn id="12" dur="500"/>
+                                        <p:tgtEl>
+                                          <p:spTgt spid="8"/>
+                                        </p:tgtEl>
+                                      </p:cBhvr>
+                                    </p:animEffect>
+                                  </p:childTnLst>
+                                </p:cTn>
+                              </p:par>
+                            </p:childTnLst>
+                          </p:cTn>
+                        </p:par>
+                      </p:childTnLst>
+                    </p:cTn>
+                  </p:par>
+                  <p:par>
+                    <p:cTn id="13" fill="hold">
+                      <p:stCondLst>
+                        <p:cond delay="indefinite"/>
+                      </p:stCondLst>
+                      <p:childTnLst>
+                        <p:par>
+                          <p:cTn id="14" fill="hold">
+                            <p:stCondLst>
+                              <p:cond delay="0"/>
+                            </p:stCondLst>
+                            <p:childTnLst>
+                              <p:par>
+                                <p:cTn id="15" presetID="10" presetClass="entr" presetSubtype="0" fill="hold" nodeType="clickEffect">
+                                  <p:stCondLst>
+                                    <p:cond delay="0"/>
+                                  </p:stCondLst>
+                                  <p:childTnLst>
+                                    <p:set>
+                                      <p:cBhvr>
+                                        <p:cTn id="16" dur="1" fill="hold">
+                                          <p:stCondLst>
+                                            <p:cond delay="0"/>
+                                          </p:stCondLst>
+                                        </p:cTn>
+                                        <p:tgtEl>
+                                          <p:spTgt spid="5"/>
+                                        </p:tgtEl>
+                                        <p:attrNameLst>
+                                          <p:attrName>style.visibility</p:attrName>
+                                        </p:attrNameLst>
+                                      </p:cBhvr>
+                                      <p:to>
+                                        <p:strVal val="visible"/>
+                                      </p:to>
+                                    </p:set>
+                                    <p:animEffect transition="in" filter="fade">
+                                      <p:cBhvr>
+                                        <p:cTn id="17" dur="500"/>
+                                        <p:tgtEl>
+                                          <p:spTgt spid="5"/>
+                                        </p:tgtEl>
+                                      </p:cBhvr>
+                                    </p:animEffect>
+                                  </p:childTnLst>
+                                </p:cTn>
+                              </p:par>
+                              <p:par>
+                                <p:cTn id="18" presetID="10" presetClass="entr" presetSubtype="0" fill="hold" nodeType="withEffect">
+                                  <p:stCondLst>
+                                    <p:cond delay="0"/>
+                                  </p:stCondLst>
+                                  <p:childTnLst>
+                                    <p:set>
+                                      <p:cBhvr>
+                                        <p:cTn id="19" dur="1" fill="hold">
+                                          <p:stCondLst>
+                                            <p:cond delay="0"/>
+                                          </p:stCondLst>
+                                        </p:cTn>
+                                        <p:tgtEl>
+                                          <p:spTgt spid="4"/>
+                                        </p:tgtEl>
+                                        <p:attrNameLst>
+                                          <p:attrName>style.visibility</p:attrName>
+                                        </p:attrNameLst>
+                                      </p:cBhvr>
+                                      <p:to>
+                                        <p:strVal val="visible"/>
+                                      </p:to>
+                                    </p:set>
+                                    <p:animEffect transition="in" filter="fade">
+                                      <p:cBhvr>
+                                        <p:cTn id="20" dur="500"/>
+                                        <p:tgtEl>
+                                          <p:spTgt spid="4"/>
+                                        </p:tgtEl>
+                                      </p:cBhvr>
+                                    </p:animEffect>
+                                  </p:childTnLst>
+                                </p:cTn>
+                              </p:par>
+                            </p:childTnLst>
+                          </p:cTn>
+                        </p:par>
+                      </p:childTnLst>
+                    </p:cTn>
+                  </p:par>
+                  <p:par>
+                    <p:cTn id="21" fill="hold">
+                      <p:stCondLst>
+                        <p:cond delay="indefinite"/>
+                      </p:stCondLst>
+                      <p:childTnLst>
+                        <p:par>
+                          <p:cTn id="22" fill="hold">
+                            <p:stCondLst>
+                              <p:cond delay="0"/>
+                            </p:stCondLst>
+                            <p:childTnLst>
+                              <p:par>
+                                <p:cTn id="23" presetID="10" presetClass="entr" presetSubtype="0" fill="hold" grpId="0" nodeType="clickEffect">
+                                  <p:stCondLst>
+                                    <p:cond delay="0"/>
+                                  </p:stCondLst>
+                                  <p:childTnLst>
+                                    <p:set>
+                                      <p:cBhvr>
+                                        <p:cTn id="24" dur="1" fill="hold">
+                                          <p:stCondLst>
+                                            <p:cond delay="0"/>
+                                          </p:stCondLst>
+                                        </p:cTn>
+                                        <p:tgtEl>
+                                          <p:spTgt spid="6"/>
+                                        </p:tgtEl>
+                                        <p:attrNameLst>
+                                          <p:attrName>style.visibility</p:attrName>
+                                        </p:attrNameLst>
+                                      </p:cBhvr>
+                                      <p:to>
+                                        <p:strVal val="visible"/>
+                                      </p:to>
+                                    </p:set>
+                                    <p:animEffect transition="in" filter="fade">
+                                      <p:cBhvr>
+                                        <p:cTn id="25" dur="500"/>
+                                        <p:tgtEl>
+                                          <p:spTgt spid="6"/>
+                                        </p:tgtEl>
+                                      </p:cBhvr>
+                                    </p:animEffect>
+                                  </p:childTnLst>
+                                </p:cTn>
+                              </p:par>
+                            </p:childTnLst>
+                          </p:cTn>
+                        </p:par>
+                      </p:childTnLst>
+                    </p:cTn>
+                  </p:par>
+                </p:childTnLst>
+              </p:cTn>
+              <p:prevCondLst>
+                <p:cond evt="onPrev" delay="0">
+                  <p:tgtEl>
+                    <p:sldTgt/>
+                  </p:tgtEl>
+                </p:cond>
+              </p:prevCondLst>
+              <p:nextCondLst>
+                <p:cond evt="onNext" delay="0">
+                  <p:tgtEl>
+                    <p:sldTgt/>
+                  </p:tgtEl>
+                </p:cond>
+              </p:nextCondLst>
+            </p:seq>
+          </p:childTnLst>
+        </p:cTn>
+      </p:par>
+    </p:tnLst>
+    <p:bldLst>
+      <p:bldP spid="6" grpId="0"/>
+      <p:bldP spid="7" grpId="0" animBg="1"/>
+      <p:bldP spid="8" grpId="0" animBg="1"/>
+    </p:bldLst>
+  </p:timing>
 </p:sld>
 </file>
 
@@ -16466,6 +18275,13 @@
   <p:clrMapOvr>
     <a:masterClrMapping/>
   </p:clrMapOvr>
+  <p:timing>
+    <p:tnLst>
+      <p:par>
+        <p:cTn id="1" dur="indefinite" restart="never" nodeType="tmRoot"/>
+      </p:par>
+    </p:tnLst>
+  </p:timing>
 </p:sld>
 </file>
 
